--- a/PPT/Class period 19.pptx
+++ b/PPT/Class period 19.pptx
@@ -144,7 +144,7 @@
           <p:cNvPr id="2" name="Title 1">
             <a:extLst>
               <a:ext uri="{FF2B5EF4-FFF2-40B4-BE49-F238E27FC236}">
-                <a16:creationId xmlns:a16="http://schemas.microsoft.com/office/drawing/2014/main" id="{47B4D1F6-B53B-A58F-B3EF-0ED5A13481F1}"/>
+                <a16:creationId xmlns:a16="http://schemas.microsoft.com/office/drawing/2014/main" id="{459910CB-8587-A2E5-BFDB-108CC945DA2C}"/>
               </a:ext>
             </a:extLst>
           </p:cNvPr>
@@ -181,7 +181,7 @@
           <p:cNvPr id="3" name="Subtitle 2">
             <a:extLst>
               <a:ext uri="{FF2B5EF4-FFF2-40B4-BE49-F238E27FC236}">
-                <a16:creationId xmlns:a16="http://schemas.microsoft.com/office/drawing/2014/main" id="{9EB82DC9-1A80-0CF5-9BEC-C1F2C41D2554}"/>
+                <a16:creationId xmlns:a16="http://schemas.microsoft.com/office/drawing/2014/main" id="{6AE9C53B-D116-B57D-9DD1-56BF76E25181}"/>
               </a:ext>
             </a:extLst>
           </p:cNvPr>
@@ -251,7 +251,7 @@
           <p:cNvPr id="4" name="Date Placeholder 3">
             <a:extLst>
               <a:ext uri="{FF2B5EF4-FFF2-40B4-BE49-F238E27FC236}">
-                <a16:creationId xmlns:a16="http://schemas.microsoft.com/office/drawing/2014/main" id="{BE0329AD-FA14-4EA7-3230-34B18BB7B599}"/>
+                <a16:creationId xmlns:a16="http://schemas.microsoft.com/office/drawing/2014/main" id="{0EC497BA-F728-7DBB-2A0A-F419DA6DDCC1}"/>
               </a:ext>
             </a:extLst>
           </p:cNvPr>
@@ -267,9 +267,9 @@
           <a:bodyPr/>
           <a:lstStyle/>
           <a:p>
-            <a:fld id="{84A8E8E9-83F6-470A-A126-56D1473B8F8A}" type="datetimeFigureOut">
+            <a:fld id="{95704818-747F-4497-8D7B-85C4E42C06C9}" type="datetimeFigureOut">
               <a:rPr lang="en-US" smtClean="0"/>
-              <a:t>4/20/2024</a:t>
+              <a:t>5/15/2024</a:t>
             </a:fld>
             <a:endParaRPr lang="en-US"/>
           </a:p>
@@ -280,7 +280,7 @@
           <p:cNvPr id="5" name="Footer Placeholder 4">
             <a:extLst>
               <a:ext uri="{FF2B5EF4-FFF2-40B4-BE49-F238E27FC236}">
-                <a16:creationId xmlns:a16="http://schemas.microsoft.com/office/drawing/2014/main" id="{74C0E06F-306E-DD7C-D2F8-8AF21F8187E5}"/>
+                <a16:creationId xmlns:a16="http://schemas.microsoft.com/office/drawing/2014/main" id="{F479EBB4-3C4B-99A8-D797-A708B3FEBC34}"/>
               </a:ext>
             </a:extLst>
           </p:cNvPr>
@@ -305,7 +305,7 @@
           <p:cNvPr id="6" name="Slide Number Placeholder 5">
             <a:extLst>
               <a:ext uri="{FF2B5EF4-FFF2-40B4-BE49-F238E27FC236}">
-                <a16:creationId xmlns:a16="http://schemas.microsoft.com/office/drawing/2014/main" id="{F5B1597A-35FF-CF1C-0310-6E1D1669E007}"/>
+                <a16:creationId xmlns:a16="http://schemas.microsoft.com/office/drawing/2014/main" id="{284D7304-4B19-CB81-1700-58C9D680F15B}"/>
               </a:ext>
             </a:extLst>
           </p:cNvPr>
@@ -321,7 +321,7 @@
           <a:bodyPr/>
           <a:lstStyle/>
           <a:p>
-            <a:fld id="{54D771B6-FFF6-4874-86DB-365C705460C1}" type="slidenum">
+            <a:fld id="{59999564-F205-4DBE-87A3-30DAE1E91CFD}" type="slidenum">
               <a:rPr lang="en-US" smtClean="0"/>
               <a:t>‹#›</a:t>
             </a:fld>
@@ -332,7 +332,7 @@
     </p:spTree>
     <p:extLst>
       <p:ext uri="{BB962C8B-B14F-4D97-AF65-F5344CB8AC3E}">
-        <p14:creationId xmlns:p14="http://schemas.microsoft.com/office/powerpoint/2010/main" val="3342269967"/>
+        <p14:creationId xmlns:p14="http://schemas.microsoft.com/office/powerpoint/2010/main" val="2856944185"/>
       </p:ext>
     </p:extLst>
   </p:cSld>
@@ -364,7 +364,7 @@
           <p:cNvPr id="2" name="Title 1">
             <a:extLst>
               <a:ext uri="{FF2B5EF4-FFF2-40B4-BE49-F238E27FC236}">
-                <a16:creationId xmlns:a16="http://schemas.microsoft.com/office/drawing/2014/main" id="{3DDACEE3-DDCD-9962-A2EF-CEA4C668FD32}"/>
+                <a16:creationId xmlns:a16="http://schemas.microsoft.com/office/drawing/2014/main" id="{7DB3BBCE-4A0C-0470-1803-CB7471B75A60}"/>
               </a:ext>
             </a:extLst>
           </p:cNvPr>
@@ -392,7 +392,7 @@
           <p:cNvPr id="3" name="Vertical Text Placeholder 2">
             <a:extLst>
               <a:ext uri="{FF2B5EF4-FFF2-40B4-BE49-F238E27FC236}">
-                <a16:creationId xmlns:a16="http://schemas.microsoft.com/office/drawing/2014/main" id="{0FDA71CE-7140-955D-D7F4-FB5C18E6D83D}"/>
+                <a16:creationId xmlns:a16="http://schemas.microsoft.com/office/drawing/2014/main" id="{C7CCC3CE-CE6B-1C81-996A-6446CEB40C89}"/>
               </a:ext>
             </a:extLst>
           </p:cNvPr>
@@ -449,7 +449,7 @@
           <p:cNvPr id="4" name="Date Placeholder 3">
             <a:extLst>
               <a:ext uri="{FF2B5EF4-FFF2-40B4-BE49-F238E27FC236}">
-                <a16:creationId xmlns:a16="http://schemas.microsoft.com/office/drawing/2014/main" id="{EB853916-78D4-5572-95B9-0BA72574FDC2}"/>
+                <a16:creationId xmlns:a16="http://schemas.microsoft.com/office/drawing/2014/main" id="{202E6919-34A4-0ECD-12F6-3DD9FD4BC058}"/>
               </a:ext>
             </a:extLst>
           </p:cNvPr>
@@ -465,9 +465,9 @@
           <a:bodyPr/>
           <a:lstStyle/>
           <a:p>
-            <a:fld id="{84A8E8E9-83F6-470A-A126-56D1473B8F8A}" type="datetimeFigureOut">
+            <a:fld id="{95704818-747F-4497-8D7B-85C4E42C06C9}" type="datetimeFigureOut">
               <a:rPr lang="en-US" smtClean="0"/>
-              <a:t>4/20/2024</a:t>
+              <a:t>5/15/2024</a:t>
             </a:fld>
             <a:endParaRPr lang="en-US"/>
           </a:p>
@@ -478,7 +478,7 @@
           <p:cNvPr id="5" name="Footer Placeholder 4">
             <a:extLst>
               <a:ext uri="{FF2B5EF4-FFF2-40B4-BE49-F238E27FC236}">
-                <a16:creationId xmlns:a16="http://schemas.microsoft.com/office/drawing/2014/main" id="{462E9A7C-ED05-6CF4-AD39-41FB5716D7BE}"/>
+                <a16:creationId xmlns:a16="http://schemas.microsoft.com/office/drawing/2014/main" id="{DD4CB031-8BE5-D74D-90D6-DA83ABB55274}"/>
               </a:ext>
             </a:extLst>
           </p:cNvPr>
@@ -503,7 +503,7 @@
           <p:cNvPr id="6" name="Slide Number Placeholder 5">
             <a:extLst>
               <a:ext uri="{FF2B5EF4-FFF2-40B4-BE49-F238E27FC236}">
-                <a16:creationId xmlns:a16="http://schemas.microsoft.com/office/drawing/2014/main" id="{A10CF26B-D3DA-94A7-34C8-16061398B3B6}"/>
+                <a16:creationId xmlns:a16="http://schemas.microsoft.com/office/drawing/2014/main" id="{09B27FE3-2BCA-DB9A-755F-423CD0F46B19}"/>
               </a:ext>
             </a:extLst>
           </p:cNvPr>
@@ -519,7 +519,7 @@
           <a:bodyPr/>
           <a:lstStyle/>
           <a:p>
-            <a:fld id="{54D771B6-FFF6-4874-86DB-365C705460C1}" type="slidenum">
+            <a:fld id="{59999564-F205-4DBE-87A3-30DAE1E91CFD}" type="slidenum">
               <a:rPr lang="en-US" smtClean="0"/>
               <a:t>‹#›</a:t>
             </a:fld>
@@ -530,7 +530,7 @@
     </p:spTree>
     <p:extLst>
       <p:ext uri="{BB962C8B-B14F-4D97-AF65-F5344CB8AC3E}">
-        <p14:creationId xmlns:p14="http://schemas.microsoft.com/office/powerpoint/2010/main" val="2091437067"/>
+        <p14:creationId xmlns:p14="http://schemas.microsoft.com/office/powerpoint/2010/main" val="3057274823"/>
       </p:ext>
     </p:extLst>
   </p:cSld>
@@ -562,7 +562,7 @@
           <p:cNvPr id="2" name="Vertical Title 1">
             <a:extLst>
               <a:ext uri="{FF2B5EF4-FFF2-40B4-BE49-F238E27FC236}">
-                <a16:creationId xmlns:a16="http://schemas.microsoft.com/office/drawing/2014/main" id="{A755F104-88FD-1B0E-590A-F9D4805DD3A7}"/>
+                <a16:creationId xmlns:a16="http://schemas.microsoft.com/office/drawing/2014/main" id="{626CC725-23A2-01AC-D4EA-F678720E4804}"/>
               </a:ext>
             </a:extLst>
           </p:cNvPr>
@@ -595,7 +595,7 @@
           <p:cNvPr id="3" name="Vertical Text Placeholder 2">
             <a:extLst>
               <a:ext uri="{FF2B5EF4-FFF2-40B4-BE49-F238E27FC236}">
-                <a16:creationId xmlns:a16="http://schemas.microsoft.com/office/drawing/2014/main" id="{1D517B41-E31A-2F56-5678-DBDCBAF07114}"/>
+                <a16:creationId xmlns:a16="http://schemas.microsoft.com/office/drawing/2014/main" id="{7AC4EDDF-5AFC-5F4D-1C39-19FC1DE0A912}"/>
               </a:ext>
             </a:extLst>
           </p:cNvPr>
@@ -657,7 +657,7 @@
           <p:cNvPr id="4" name="Date Placeholder 3">
             <a:extLst>
               <a:ext uri="{FF2B5EF4-FFF2-40B4-BE49-F238E27FC236}">
-                <a16:creationId xmlns:a16="http://schemas.microsoft.com/office/drawing/2014/main" id="{A68CABD9-F9C5-562C-7FD6-7E10490C38F0}"/>
+                <a16:creationId xmlns:a16="http://schemas.microsoft.com/office/drawing/2014/main" id="{3FF1347C-EAC4-4E93-908D-F4A04D7B152C}"/>
               </a:ext>
             </a:extLst>
           </p:cNvPr>
@@ -673,9 +673,9 @@
           <a:bodyPr/>
           <a:lstStyle/>
           <a:p>
-            <a:fld id="{84A8E8E9-83F6-470A-A126-56D1473B8F8A}" type="datetimeFigureOut">
+            <a:fld id="{95704818-747F-4497-8D7B-85C4E42C06C9}" type="datetimeFigureOut">
               <a:rPr lang="en-US" smtClean="0"/>
-              <a:t>4/20/2024</a:t>
+              <a:t>5/15/2024</a:t>
             </a:fld>
             <a:endParaRPr lang="en-US"/>
           </a:p>
@@ -686,7 +686,7 @@
           <p:cNvPr id="5" name="Footer Placeholder 4">
             <a:extLst>
               <a:ext uri="{FF2B5EF4-FFF2-40B4-BE49-F238E27FC236}">
-                <a16:creationId xmlns:a16="http://schemas.microsoft.com/office/drawing/2014/main" id="{EE29CC9F-CD42-B59C-9BF6-B47C18D7D674}"/>
+                <a16:creationId xmlns:a16="http://schemas.microsoft.com/office/drawing/2014/main" id="{B2363F24-F6C4-89C0-2E52-2FFC5821179E}"/>
               </a:ext>
             </a:extLst>
           </p:cNvPr>
@@ -711,7 +711,7 @@
           <p:cNvPr id="6" name="Slide Number Placeholder 5">
             <a:extLst>
               <a:ext uri="{FF2B5EF4-FFF2-40B4-BE49-F238E27FC236}">
-                <a16:creationId xmlns:a16="http://schemas.microsoft.com/office/drawing/2014/main" id="{5A3A3C09-9CC0-C4B4-4EF0-EB0B80B821FF}"/>
+                <a16:creationId xmlns:a16="http://schemas.microsoft.com/office/drawing/2014/main" id="{333F61C5-CB90-6264-5BA3-5D2BE2CD580F}"/>
               </a:ext>
             </a:extLst>
           </p:cNvPr>
@@ -727,7 +727,7 @@
           <a:bodyPr/>
           <a:lstStyle/>
           <a:p>
-            <a:fld id="{54D771B6-FFF6-4874-86DB-365C705460C1}" type="slidenum">
+            <a:fld id="{59999564-F205-4DBE-87A3-30DAE1E91CFD}" type="slidenum">
               <a:rPr lang="en-US" smtClean="0"/>
               <a:t>‹#›</a:t>
             </a:fld>
@@ -738,7 +738,7 @@
     </p:spTree>
     <p:extLst>
       <p:ext uri="{BB962C8B-B14F-4D97-AF65-F5344CB8AC3E}">
-        <p14:creationId xmlns:p14="http://schemas.microsoft.com/office/powerpoint/2010/main" val="926294825"/>
+        <p14:creationId xmlns:p14="http://schemas.microsoft.com/office/powerpoint/2010/main" val="4169663059"/>
       </p:ext>
     </p:extLst>
   </p:cSld>
@@ -770,7 +770,7 @@
           <p:cNvPr id="2" name="Title 1">
             <a:extLst>
               <a:ext uri="{FF2B5EF4-FFF2-40B4-BE49-F238E27FC236}">
-                <a16:creationId xmlns:a16="http://schemas.microsoft.com/office/drawing/2014/main" id="{47EF4750-9326-9CD3-3E57-0DD37A107C06}"/>
+                <a16:creationId xmlns:a16="http://schemas.microsoft.com/office/drawing/2014/main" id="{FDC52FFE-2E61-9785-1B83-97F221E7668B}"/>
               </a:ext>
             </a:extLst>
           </p:cNvPr>
@@ -798,7 +798,7 @@
           <p:cNvPr id="3" name="Content Placeholder 2">
             <a:extLst>
               <a:ext uri="{FF2B5EF4-FFF2-40B4-BE49-F238E27FC236}">
-                <a16:creationId xmlns:a16="http://schemas.microsoft.com/office/drawing/2014/main" id="{61B84A2D-434E-EFBF-190E-5673E7925AE2}"/>
+                <a16:creationId xmlns:a16="http://schemas.microsoft.com/office/drawing/2014/main" id="{B0D1AD27-31D2-9043-7572-7BDDB409CE71}"/>
               </a:ext>
             </a:extLst>
           </p:cNvPr>
@@ -855,7 +855,7 @@
           <p:cNvPr id="4" name="Date Placeholder 3">
             <a:extLst>
               <a:ext uri="{FF2B5EF4-FFF2-40B4-BE49-F238E27FC236}">
-                <a16:creationId xmlns:a16="http://schemas.microsoft.com/office/drawing/2014/main" id="{AA3A4C83-E588-67C9-D637-0A8334054248}"/>
+                <a16:creationId xmlns:a16="http://schemas.microsoft.com/office/drawing/2014/main" id="{C7531266-6251-FB6A-695B-D68B0D632E77}"/>
               </a:ext>
             </a:extLst>
           </p:cNvPr>
@@ -871,9 +871,9 @@
           <a:bodyPr/>
           <a:lstStyle/>
           <a:p>
-            <a:fld id="{84A8E8E9-83F6-470A-A126-56D1473B8F8A}" type="datetimeFigureOut">
+            <a:fld id="{95704818-747F-4497-8D7B-85C4E42C06C9}" type="datetimeFigureOut">
               <a:rPr lang="en-US" smtClean="0"/>
-              <a:t>4/20/2024</a:t>
+              <a:t>5/15/2024</a:t>
             </a:fld>
             <a:endParaRPr lang="en-US"/>
           </a:p>
@@ -884,7 +884,7 @@
           <p:cNvPr id="5" name="Footer Placeholder 4">
             <a:extLst>
               <a:ext uri="{FF2B5EF4-FFF2-40B4-BE49-F238E27FC236}">
-                <a16:creationId xmlns:a16="http://schemas.microsoft.com/office/drawing/2014/main" id="{520091DF-5D2A-1849-4D68-B8E567B3099C}"/>
+                <a16:creationId xmlns:a16="http://schemas.microsoft.com/office/drawing/2014/main" id="{5FE4B99D-3281-74DD-0727-FF9CF23CB30B}"/>
               </a:ext>
             </a:extLst>
           </p:cNvPr>
@@ -909,7 +909,7 @@
           <p:cNvPr id="6" name="Slide Number Placeholder 5">
             <a:extLst>
               <a:ext uri="{FF2B5EF4-FFF2-40B4-BE49-F238E27FC236}">
-                <a16:creationId xmlns:a16="http://schemas.microsoft.com/office/drawing/2014/main" id="{A778B7DE-9C1E-59CD-0ADF-048A3EF0E97B}"/>
+                <a16:creationId xmlns:a16="http://schemas.microsoft.com/office/drawing/2014/main" id="{7F07854A-8701-63D6-B43A-1D52252DD48F}"/>
               </a:ext>
             </a:extLst>
           </p:cNvPr>
@@ -925,7 +925,7 @@
           <a:bodyPr/>
           <a:lstStyle/>
           <a:p>
-            <a:fld id="{54D771B6-FFF6-4874-86DB-365C705460C1}" type="slidenum">
+            <a:fld id="{59999564-F205-4DBE-87A3-30DAE1E91CFD}" type="slidenum">
               <a:rPr lang="en-US" smtClean="0"/>
               <a:t>‹#›</a:t>
             </a:fld>
@@ -936,7 +936,7 @@
     </p:spTree>
     <p:extLst>
       <p:ext uri="{BB962C8B-B14F-4D97-AF65-F5344CB8AC3E}">
-        <p14:creationId xmlns:p14="http://schemas.microsoft.com/office/powerpoint/2010/main" val="388537687"/>
+        <p14:creationId xmlns:p14="http://schemas.microsoft.com/office/powerpoint/2010/main" val="2949921650"/>
       </p:ext>
     </p:extLst>
   </p:cSld>
@@ -968,7 +968,7 @@
           <p:cNvPr id="2" name="Title 1">
             <a:extLst>
               <a:ext uri="{FF2B5EF4-FFF2-40B4-BE49-F238E27FC236}">
-                <a16:creationId xmlns:a16="http://schemas.microsoft.com/office/drawing/2014/main" id="{A083D721-CAD6-4392-D0C3-7154E120044D}"/>
+                <a16:creationId xmlns:a16="http://schemas.microsoft.com/office/drawing/2014/main" id="{B9E518C2-0A70-002F-652B-AF80C89559D4}"/>
               </a:ext>
             </a:extLst>
           </p:cNvPr>
@@ -1005,7 +1005,7 @@
           <p:cNvPr id="3" name="Text Placeholder 2">
             <a:extLst>
               <a:ext uri="{FF2B5EF4-FFF2-40B4-BE49-F238E27FC236}">
-                <a16:creationId xmlns:a16="http://schemas.microsoft.com/office/drawing/2014/main" id="{359274FE-C6D1-259F-5C60-E135C8C307B9}"/>
+                <a16:creationId xmlns:a16="http://schemas.microsoft.com/office/drawing/2014/main" id="{22A96751-9CB1-700E-BD6D-884AD372E9EF}"/>
               </a:ext>
             </a:extLst>
           </p:cNvPr>
@@ -1130,7 +1130,7 @@
           <p:cNvPr id="4" name="Date Placeholder 3">
             <a:extLst>
               <a:ext uri="{FF2B5EF4-FFF2-40B4-BE49-F238E27FC236}">
-                <a16:creationId xmlns:a16="http://schemas.microsoft.com/office/drawing/2014/main" id="{8A04270F-C50E-CE52-97B6-DEDD9B239CFF}"/>
+                <a16:creationId xmlns:a16="http://schemas.microsoft.com/office/drawing/2014/main" id="{6095FC82-8EE4-1A88-24A5-84F12F7CFD78}"/>
               </a:ext>
             </a:extLst>
           </p:cNvPr>
@@ -1146,9 +1146,9 @@
           <a:bodyPr/>
           <a:lstStyle/>
           <a:p>
-            <a:fld id="{84A8E8E9-83F6-470A-A126-56D1473B8F8A}" type="datetimeFigureOut">
+            <a:fld id="{95704818-747F-4497-8D7B-85C4E42C06C9}" type="datetimeFigureOut">
               <a:rPr lang="en-US" smtClean="0"/>
-              <a:t>4/20/2024</a:t>
+              <a:t>5/15/2024</a:t>
             </a:fld>
             <a:endParaRPr lang="en-US"/>
           </a:p>
@@ -1159,7 +1159,7 @@
           <p:cNvPr id="5" name="Footer Placeholder 4">
             <a:extLst>
               <a:ext uri="{FF2B5EF4-FFF2-40B4-BE49-F238E27FC236}">
-                <a16:creationId xmlns:a16="http://schemas.microsoft.com/office/drawing/2014/main" id="{DE3AFC67-CDD0-AA22-A10D-33D546218D60}"/>
+                <a16:creationId xmlns:a16="http://schemas.microsoft.com/office/drawing/2014/main" id="{6EB1D810-E5C0-5E84-E0FF-59FEF52CB507}"/>
               </a:ext>
             </a:extLst>
           </p:cNvPr>
@@ -1184,7 +1184,7 @@
           <p:cNvPr id="6" name="Slide Number Placeholder 5">
             <a:extLst>
               <a:ext uri="{FF2B5EF4-FFF2-40B4-BE49-F238E27FC236}">
-                <a16:creationId xmlns:a16="http://schemas.microsoft.com/office/drawing/2014/main" id="{836EF322-B058-5AFE-ACFB-01BCF01BD810}"/>
+                <a16:creationId xmlns:a16="http://schemas.microsoft.com/office/drawing/2014/main" id="{FA162901-1FC6-E33F-0F82-A39B3C5EB2A2}"/>
               </a:ext>
             </a:extLst>
           </p:cNvPr>
@@ -1200,7 +1200,7 @@
           <a:bodyPr/>
           <a:lstStyle/>
           <a:p>
-            <a:fld id="{54D771B6-FFF6-4874-86DB-365C705460C1}" type="slidenum">
+            <a:fld id="{59999564-F205-4DBE-87A3-30DAE1E91CFD}" type="slidenum">
               <a:rPr lang="en-US" smtClean="0"/>
               <a:t>‹#›</a:t>
             </a:fld>
@@ -1211,7 +1211,7 @@
     </p:spTree>
     <p:extLst>
       <p:ext uri="{BB962C8B-B14F-4D97-AF65-F5344CB8AC3E}">
-        <p14:creationId xmlns:p14="http://schemas.microsoft.com/office/powerpoint/2010/main" val="291321672"/>
+        <p14:creationId xmlns:p14="http://schemas.microsoft.com/office/powerpoint/2010/main" val="3295338841"/>
       </p:ext>
     </p:extLst>
   </p:cSld>
@@ -1243,7 +1243,7 @@
           <p:cNvPr id="2" name="Title 1">
             <a:extLst>
               <a:ext uri="{FF2B5EF4-FFF2-40B4-BE49-F238E27FC236}">
-                <a16:creationId xmlns:a16="http://schemas.microsoft.com/office/drawing/2014/main" id="{BB67EF39-3C50-4670-D950-C1C073D1EB57}"/>
+                <a16:creationId xmlns:a16="http://schemas.microsoft.com/office/drawing/2014/main" id="{09E58C6A-7C67-7954-D845-4EFB81DA553D}"/>
               </a:ext>
             </a:extLst>
           </p:cNvPr>
@@ -1271,7 +1271,7 @@
           <p:cNvPr id="3" name="Content Placeholder 2">
             <a:extLst>
               <a:ext uri="{FF2B5EF4-FFF2-40B4-BE49-F238E27FC236}">
-                <a16:creationId xmlns:a16="http://schemas.microsoft.com/office/drawing/2014/main" id="{18858E4F-C078-92A3-5EE4-C4EA8EE494D3}"/>
+                <a16:creationId xmlns:a16="http://schemas.microsoft.com/office/drawing/2014/main" id="{FD6E4631-1A7B-81A5-504D-34356FE1C22D}"/>
               </a:ext>
             </a:extLst>
           </p:cNvPr>
@@ -1333,7 +1333,7 @@
           <p:cNvPr id="4" name="Content Placeholder 3">
             <a:extLst>
               <a:ext uri="{FF2B5EF4-FFF2-40B4-BE49-F238E27FC236}">
-                <a16:creationId xmlns:a16="http://schemas.microsoft.com/office/drawing/2014/main" id="{EF5F308F-4C43-D788-538B-C9AE2770668D}"/>
+                <a16:creationId xmlns:a16="http://schemas.microsoft.com/office/drawing/2014/main" id="{54D5BCC5-6B30-937D-3F8D-0E46F935ACAB}"/>
               </a:ext>
             </a:extLst>
           </p:cNvPr>
@@ -1395,7 +1395,7 @@
           <p:cNvPr id="5" name="Date Placeholder 4">
             <a:extLst>
               <a:ext uri="{FF2B5EF4-FFF2-40B4-BE49-F238E27FC236}">
-                <a16:creationId xmlns:a16="http://schemas.microsoft.com/office/drawing/2014/main" id="{F72E8EA7-4612-B128-5D0E-6F776D4C40D8}"/>
+                <a16:creationId xmlns:a16="http://schemas.microsoft.com/office/drawing/2014/main" id="{3558F6D1-F607-72C8-FBD6-0F15C0863F2B}"/>
               </a:ext>
             </a:extLst>
           </p:cNvPr>
@@ -1411,9 +1411,9 @@
           <a:bodyPr/>
           <a:lstStyle/>
           <a:p>
-            <a:fld id="{84A8E8E9-83F6-470A-A126-56D1473B8F8A}" type="datetimeFigureOut">
+            <a:fld id="{95704818-747F-4497-8D7B-85C4E42C06C9}" type="datetimeFigureOut">
               <a:rPr lang="en-US" smtClean="0"/>
-              <a:t>4/20/2024</a:t>
+              <a:t>5/15/2024</a:t>
             </a:fld>
             <a:endParaRPr lang="en-US"/>
           </a:p>
@@ -1424,7 +1424,7 @@
           <p:cNvPr id="6" name="Footer Placeholder 5">
             <a:extLst>
               <a:ext uri="{FF2B5EF4-FFF2-40B4-BE49-F238E27FC236}">
-                <a16:creationId xmlns:a16="http://schemas.microsoft.com/office/drawing/2014/main" id="{C7D14F8E-A5E9-0423-D358-5E47864485C1}"/>
+                <a16:creationId xmlns:a16="http://schemas.microsoft.com/office/drawing/2014/main" id="{03CAF2D8-73C1-5E1E-E43D-054F7C2E0E3C}"/>
               </a:ext>
             </a:extLst>
           </p:cNvPr>
@@ -1449,7 +1449,7 @@
           <p:cNvPr id="7" name="Slide Number Placeholder 6">
             <a:extLst>
               <a:ext uri="{FF2B5EF4-FFF2-40B4-BE49-F238E27FC236}">
-                <a16:creationId xmlns:a16="http://schemas.microsoft.com/office/drawing/2014/main" id="{124684EF-01AE-1C54-EC33-544532B7EBA7}"/>
+                <a16:creationId xmlns:a16="http://schemas.microsoft.com/office/drawing/2014/main" id="{C2695DE0-0692-7138-ECB2-52BF177861E1}"/>
               </a:ext>
             </a:extLst>
           </p:cNvPr>
@@ -1465,7 +1465,7 @@
           <a:bodyPr/>
           <a:lstStyle/>
           <a:p>
-            <a:fld id="{54D771B6-FFF6-4874-86DB-365C705460C1}" type="slidenum">
+            <a:fld id="{59999564-F205-4DBE-87A3-30DAE1E91CFD}" type="slidenum">
               <a:rPr lang="en-US" smtClean="0"/>
               <a:t>‹#›</a:t>
             </a:fld>
@@ -1476,7 +1476,7 @@
     </p:spTree>
     <p:extLst>
       <p:ext uri="{BB962C8B-B14F-4D97-AF65-F5344CB8AC3E}">
-        <p14:creationId xmlns:p14="http://schemas.microsoft.com/office/powerpoint/2010/main" val="1971005183"/>
+        <p14:creationId xmlns:p14="http://schemas.microsoft.com/office/powerpoint/2010/main" val="2712706266"/>
       </p:ext>
     </p:extLst>
   </p:cSld>
@@ -1508,7 +1508,7 @@
           <p:cNvPr id="2" name="Title 1">
             <a:extLst>
               <a:ext uri="{FF2B5EF4-FFF2-40B4-BE49-F238E27FC236}">
-                <a16:creationId xmlns:a16="http://schemas.microsoft.com/office/drawing/2014/main" id="{733EAB6F-8360-7921-B853-2F62918685B6}"/>
+                <a16:creationId xmlns:a16="http://schemas.microsoft.com/office/drawing/2014/main" id="{8D881E0B-60E9-F8A3-A74B-C1F213B9EF5B}"/>
               </a:ext>
             </a:extLst>
           </p:cNvPr>
@@ -1541,7 +1541,7 @@
           <p:cNvPr id="3" name="Text Placeholder 2">
             <a:extLst>
               <a:ext uri="{FF2B5EF4-FFF2-40B4-BE49-F238E27FC236}">
-                <a16:creationId xmlns:a16="http://schemas.microsoft.com/office/drawing/2014/main" id="{98D348CE-DF1C-FADF-1487-278AC90C6B87}"/>
+                <a16:creationId xmlns:a16="http://schemas.microsoft.com/office/drawing/2014/main" id="{E8D00465-0F9A-4438-8020-1BDAA1487F93}"/>
               </a:ext>
             </a:extLst>
           </p:cNvPr>
@@ -1612,7 +1612,7 @@
           <p:cNvPr id="4" name="Content Placeholder 3">
             <a:extLst>
               <a:ext uri="{FF2B5EF4-FFF2-40B4-BE49-F238E27FC236}">
-                <a16:creationId xmlns:a16="http://schemas.microsoft.com/office/drawing/2014/main" id="{629A3788-C64F-21A8-EB5E-D748B0DFABF0}"/>
+                <a16:creationId xmlns:a16="http://schemas.microsoft.com/office/drawing/2014/main" id="{9D2818A8-57EA-CC98-F033-174897AE0342}"/>
               </a:ext>
             </a:extLst>
           </p:cNvPr>
@@ -1674,7 +1674,7 @@
           <p:cNvPr id="5" name="Text Placeholder 4">
             <a:extLst>
               <a:ext uri="{FF2B5EF4-FFF2-40B4-BE49-F238E27FC236}">
-                <a16:creationId xmlns:a16="http://schemas.microsoft.com/office/drawing/2014/main" id="{BF2E7540-2EDB-515E-B7DA-3A33E93D9CDE}"/>
+                <a16:creationId xmlns:a16="http://schemas.microsoft.com/office/drawing/2014/main" id="{9282295F-048D-7215-B0D3-2504A62C505E}"/>
               </a:ext>
             </a:extLst>
           </p:cNvPr>
@@ -1745,7 +1745,7 @@
           <p:cNvPr id="6" name="Content Placeholder 5">
             <a:extLst>
               <a:ext uri="{FF2B5EF4-FFF2-40B4-BE49-F238E27FC236}">
-                <a16:creationId xmlns:a16="http://schemas.microsoft.com/office/drawing/2014/main" id="{751BAF1F-7E7E-7379-1C64-314BD2A9E9B1}"/>
+                <a16:creationId xmlns:a16="http://schemas.microsoft.com/office/drawing/2014/main" id="{433614DE-97F5-F527-9B53-8D3848B86C27}"/>
               </a:ext>
             </a:extLst>
           </p:cNvPr>
@@ -1807,7 +1807,7 @@
           <p:cNvPr id="7" name="Date Placeholder 6">
             <a:extLst>
               <a:ext uri="{FF2B5EF4-FFF2-40B4-BE49-F238E27FC236}">
-                <a16:creationId xmlns:a16="http://schemas.microsoft.com/office/drawing/2014/main" id="{4B6ACBD7-2841-7EE3-BFEA-A6E137D3CAFE}"/>
+                <a16:creationId xmlns:a16="http://schemas.microsoft.com/office/drawing/2014/main" id="{EC1BA8A7-1D5E-8759-C510-546975020759}"/>
               </a:ext>
             </a:extLst>
           </p:cNvPr>
@@ -1823,9 +1823,9 @@
           <a:bodyPr/>
           <a:lstStyle/>
           <a:p>
-            <a:fld id="{84A8E8E9-83F6-470A-A126-56D1473B8F8A}" type="datetimeFigureOut">
+            <a:fld id="{95704818-747F-4497-8D7B-85C4E42C06C9}" type="datetimeFigureOut">
               <a:rPr lang="en-US" smtClean="0"/>
-              <a:t>4/20/2024</a:t>
+              <a:t>5/15/2024</a:t>
             </a:fld>
             <a:endParaRPr lang="en-US"/>
           </a:p>
@@ -1836,7 +1836,7 @@
           <p:cNvPr id="8" name="Footer Placeholder 7">
             <a:extLst>
               <a:ext uri="{FF2B5EF4-FFF2-40B4-BE49-F238E27FC236}">
-                <a16:creationId xmlns:a16="http://schemas.microsoft.com/office/drawing/2014/main" id="{6231E947-C79F-07A0-B944-66E305C133C2}"/>
+                <a16:creationId xmlns:a16="http://schemas.microsoft.com/office/drawing/2014/main" id="{1E371314-5846-0A15-5B84-6FF2AB5E07B6}"/>
               </a:ext>
             </a:extLst>
           </p:cNvPr>
@@ -1861,7 +1861,7 @@
           <p:cNvPr id="9" name="Slide Number Placeholder 8">
             <a:extLst>
               <a:ext uri="{FF2B5EF4-FFF2-40B4-BE49-F238E27FC236}">
-                <a16:creationId xmlns:a16="http://schemas.microsoft.com/office/drawing/2014/main" id="{D3F5F55A-4DEF-87FB-CD93-A83FB9B4419E}"/>
+                <a16:creationId xmlns:a16="http://schemas.microsoft.com/office/drawing/2014/main" id="{C0530710-6534-2828-3795-C4B3F96DDD92}"/>
               </a:ext>
             </a:extLst>
           </p:cNvPr>
@@ -1877,7 +1877,7 @@
           <a:bodyPr/>
           <a:lstStyle/>
           <a:p>
-            <a:fld id="{54D771B6-FFF6-4874-86DB-365C705460C1}" type="slidenum">
+            <a:fld id="{59999564-F205-4DBE-87A3-30DAE1E91CFD}" type="slidenum">
               <a:rPr lang="en-US" smtClean="0"/>
               <a:t>‹#›</a:t>
             </a:fld>
@@ -1888,7 +1888,7 @@
     </p:spTree>
     <p:extLst>
       <p:ext uri="{BB962C8B-B14F-4D97-AF65-F5344CB8AC3E}">
-        <p14:creationId xmlns:p14="http://schemas.microsoft.com/office/powerpoint/2010/main" val="2576925199"/>
+        <p14:creationId xmlns:p14="http://schemas.microsoft.com/office/powerpoint/2010/main" val="2370034993"/>
       </p:ext>
     </p:extLst>
   </p:cSld>
@@ -1920,7 +1920,7 @@
           <p:cNvPr id="2" name="Title 1">
             <a:extLst>
               <a:ext uri="{FF2B5EF4-FFF2-40B4-BE49-F238E27FC236}">
-                <a16:creationId xmlns:a16="http://schemas.microsoft.com/office/drawing/2014/main" id="{061EC7CC-1B7C-9909-C6F5-C47F8AEA584E}"/>
+                <a16:creationId xmlns:a16="http://schemas.microsoft.com/office/drawing/2014/main" id="{32CF84CB-967C-E321-EE43-E277CBA3388A}"/>
               </a:ext>
             </a:extLst>
           </p:cNvPr>
@@ -1948,7 +1948,7 @@
           <p:cNvPr id="3" name="Date Placeholder 2">
             <a:extLst>
               <a:ext uri="{FF2B5EF4-FFF2-40B4-BE49-F238E27FC236}">
-                <a16:creationId xmlns:a16="http://schemas.microsoft.com/office/drawing/2014/main" id="{55C83EB6-73D3-90DA-0EAD-58397C30DD19}"/>
+                <a16:creationId xmlns:a16="http://schemas.microsoft.com/office/drawing/2014/main" id="{039EBBDF-CD0C-474A-3FA4-08D2D3BE78C2}"/>
               </a:ext>
             </a:extLst>
           </p:cNvPr>
@@ -1964,9 +1964,9 @@
           <a:bodyPr/>
           <a:lstStyle/>
           <a:p>
-            <a:fld id="{84A8E8E9-83F6-470A-A126-56D1473B8F8A}" type="datetimeFigureOut">
+            <a:fld id="{95704818-747F-4497-8D7B-85C4E42C06C9}" type="datetimeFigureOut">
               <a:rPr lang="en-US" smtClean="0"/>
-              <a:t>4/20/2024</a:t>
+              <a:t>5/15/2024</a:t>
             </a:fld>
             <a:endParaRPr lang="en-US"/>
           </a:p>
@@ -1977,7 +1977,7 @@
           <p:cNvPr id="4" name="Footer Placeholder 3">
             <a:extLst>
               <a:ext uri="{FF2B5EF4-FFF2-40B4-BE49-F238E27FC236}">
-                <a16:creationId xmlns:a16="http://schemas.microsoft.com/office/drawing/2014/main" id="{E9E83021-A713-51E1-646C-F415DB728FB4}"/>
+                <a16:creationId xmlns:a16="http://schemas.microsoft.com/office/drawing/2014/main" id="{3A523CB6-5F47-14DB-8F0E-E636D3FFAAF1}"/>
               </a:ext>
             </a:extLst>
           </p:cNvPr>
@@ -2002,7 +2002,7 @@
           <p:cNvPr id="5" name="Slide Number Placeholder 4">
             <a:extLst>
               <a:ext uri="{FF2B5EF4-FFF2-40B4-BE49-F238E27FC236}">
-                <a16:creationId xmlns:a16="http://schemas.microsoft.com/office/drawing/2014/main" id="{586CA76C-3B5F-6A2D-9662-AF7E873432CD}"/>
+                <a16:creationId xmlns:a16="http://schemas.microsoft.com/office/drawing/2014/main" id="{BEEC6FD0-7401-E955-930F-1762DD80C64B}"/>
               </a:ext>
             </a:extLst>
           </p:cNvPr>
@@ -2018,7 +2018,7 @@
           <a:bodyPr/>
           <a:lstStyle/>
           <a:p>
-            <a:fld id="{54D771B6-FFF6-4874-86DB-365C705460C1}" type="slidenum">
+            <a:fld id="{59999564-F205-4DBE-87A3-30DAE1E91CFD}" type="slidenum">
               <a:rPr lang="en-US" smtClean="0"/>
               <a:t>‹#›</a:t>
             </a:fld>
@@ -2029,7 +2029,7 @@
     </p:spTree>
     <p:extLst>
       <p:ext uri="{BB962C8B-B14F-4D97-AF65-F5344CB8AC3E}">
-        <p14:creationId xmlns:p14="http://schemas.microsoft.com/office/powerpoint/2010/main" val="4066483535"/>
+        <p14:creationId xmlns:p14="http://schemas.microsoft.com/office/powerpoint/2010/main" val="3152393895"/>
       </p:ext>
     </p:extLst>
   </p:cSld>
@@ -2061,7 +2061,7 @@
           <p:cNvPr id="2" name="Date Placeholder 1">
             <a:extLst>
               <a:ext uri="{FF2B5EF4-FFF2-40B4-BE49-F238E27FC236}">
-                <a16:creationId xmlns:a16="http://schemas.microsoft.com/office/drawing/2014/main" id="{FBCFE4DA-76BD-AD82-6A96-90D5C77B19D4}"/>
+                <a16:creationId xmlns:a16="http://schemas.microsoft.com/office/drawing/2014/main" id="{6569920B-ABD6-F2BF-ADE1-254CB5735D54}"/>
               </a:ext>
             </a:extLst>
           </p:cNvPr>
@@ -2077,9 +2077,9 @@
           <a:bodyPr/>
           <a:lstStyle/>
           <a:p>
-            <a:fld id="{84A8E8E9-83F6-470A-A126-56D1473B8F8A}" type="datetimeFigureOut">
+            <a:fld id="{95704818-747F-4497-8D7B-85C4E42C06C9}" type="datetimeFigureOut">
               <a:rPr lang="en-US" smtClean="0"/>
-              <a:t>4/20/2024</a:t>
+              <a:t>5/15/2024</a:t>
             </a:fld>
             <a:endParaRPr lang="en-US"/>
           </a:p>
@@ -2090,7 +2090,7 @@
           <p:cNvPr id="3" name="Footer Placeholder 2">
             <a:extLst>
               <a:ext uri="{FF2B5EF4-FFF2-40B4-BE49-F238E27FC236}">
-                <a16:creationId xmlns:a16="http://schemas.microsoft.com/office/drawing/2014/main" id="{8E409817-3497-FA85-BF84-CD5B1EEF37AC}"/>
+                <a16:creationId xmlns:a16="http://schemas.microsoft.com/office/drawing/2014/main" id="{189EBCD2-5546-DB58-800E-7C836174C6DD}"/>
               </a:ext>
             </a:extLst>
           </p:cNvPr>
@@ -2115,7 +2115,7 @@
           <p:cNvPr id="4" name="Slide Number Placeholder 3">
             <a:extLst>
               <a:ext uri="{FF2B5EF4-FFF2-40B4-BE49-F238E27FC236}">
-                <a16:creationId xmlns:a16="http://schemas.microsoft.com/office/drawing/2014/main" id="{8F6EA525-B166-DEEE-6D4A-33278A0D69AD}"/>
+                <a16:creationId xmlns:a16="http://schemas.microsoft.com/office/drawing/2014/main" id="{BCF49FF0-8793-A2EA-2495-AD6ECB41CD5D}"/>
               </a:ext>
             </a:extLst>
           </p:cNvPr>
@@ -2131,7 +2131,7 @@
           <a:bodyPr/>
           <a:lstStyle/>
           <a:p>
-            <a:fld id="{54D771B6-FFF6-4874-86DB-365C705460C1}" type="slidenum">
+            <a:fld id="{59999564-F205-4DBE-87A3-30DAE1E91CFD}" type="slidenum">
               <a:rPr lang="en-US" smtClean="0"/>
               <a:t>‹#›</a:t>
             </a:fld>
@@ -2142,7 +2142,7 @@
     </p:spTree>
     <p:extLst>
       <p:ext uri="{BB962C8B-B14F-4D97-AF65-F5344CB8AC3E}">
-        <p14:creationId xmlns:p14="http://schemas.microsoft.com/office/powerpoint/2010/main" val="590239194"/>
+        <p14:creationId xmlns:p14="http://schemas.microsoft.com/office/powerpoint/2010/main" val="1795749052"/>
       </p:ext>
     </p:extLst>
   </p:cSld>
@@ -2174,7 +2174,7 @@
           <p:cNvPr id="2" name="Title 1">
             <a:extLst>
               <a:ext uri="{FF2B5EF4-FFF2-40B4-BE49-F238E27FC236}">
-                <a16:creationId xmlns:a16="http://schemas.microsoft.com/office/drawing/2014/main" id="{AC390916-5773-4338-3399-55000209DABD}"/>
+                <a16:creationId xmlns:a16="http://schemas.microsoft.com/office/drawing/2014/main" id="{BA011C01-43EE-2D4B-34DA-84EB643C69D5}"/>
               </a:ext>
             </a:extLst>
           </p:cNvPr>
@@ -2211,7 +2211,7 @@
           <p:cNvPr id="3" name="Content Placeholder 2">
             <a:extLst>
               <a:ext uri="{FF2B5EF4-FFF2-40B4-BE49-F238E27FC236}">
-                <a16:creationId xmlns:a16="http://schemas.microsoft.com/office/drawing/2014/main" id="{80E2F619-5542-796C-1DF5-B4D547D3D23A}"/>
+                <a16:creationId xmlns:a16="http://schemas.microsoft.com/office/drawing/2014/main" id="{8C55F8AE-86F2-E998-3B96-5F70F68F6ECA}"/>
               </a:ext>
             </a:extLst>
           </p:cNvPr>
@@ -2301,7 +2301,7 @@
           <p:cNvPr id="4" name="Text Placeholder 3">
             <a:extLst>
               <a:ext uri="{FF2B5EF4-FFF2-40B4-BE49-F238E27FC236}">
-                <a16:creationId xmlns:a16="http://schemas.microsoft.com/office/drawing/2014/main" id="{AB197882-726E-8ACB-CD40-C02AE203ABCA}"/>
+                <a16:creationId xmlns:a16="http://schemas.microsoft.com/office/drawing/2014/main" id="{F7494AA2-6611-5483-9C5D-BBEDECC1E865}"/>
               </a:ext>
             </a:extLst>
           </p:cNvPr>
@@ -2372,7 +2372,7 @@
           <p:cNvPr id="5" name="Date Placeholder 4">
             <a:extLst>
               <a:ext uri="{FF2B5EF4-FFF2-40B4-BE49-F238E27FC236}">
-                <a16:creationId xmlns:a16="http://schemas.microsoft.com/office/drawing/2014/main" id="{A20CFDBD-9861-9163-9AC6-8E514E06C3AB}"/>
+                <a16:creationId xmlns:a16="http://schemas.microsoft.com/office/drawing/2014/main" id="{A20E4672-5D18-F977-721E-49143A352138}"/>
               </a:ext>
             </a:extLst>
           </p:cNvPr>
@@ -2388,9 +2388,9 @@
           <a:bodyPr/>
           <a:lstStyle/>
           <a:p>
-            <a:fld id="{84A8E8E9-83F6-470A-A126-56D1473B8F8A}" type="datetimeFigureOut">
+            <a:fld id="{95704818-747F-4497-8D7B-85C4E42C06C9}" type="datetimeFigureOut">
               <a:rPr lang="en-US" smtClean="0"/>
-              <a:t>4/20/2024</a:t>
+              <a:t>5/15/2024</a:t>
             </a:fld>
             <a:endParaRPr lang="en-US"/>
           </a:p>
@@ -2401,7 +2401,7 @@
           <p:cNvPr id="6" name="Footer Placeholder 5">
             <a:extLst>
               <a:ext uri="{FF2B5EF4-FFF2-40B4-BE49-F238E27FC236}">
-                <a16:creationId xmlns:a16="http://schemas.microsoft.com/office/drawing/2014/main" id="{2932BE57-8703-7361-FDE9-2C577AE1158F}"/>
+                <a16:creationId xmlns:a16="http://schemas.microsoft.com/office/drawing/2014/main" id="{3A62F49E-FD8F-5163-2519-FB3982FB66C4}"/>
               </a:ext>
             </a:extLst>
           </p:cNvPr>
@@ -2426,7 +2426,7 @@
           <p:cNvPr id="7" name="Slide Number Placeholder 6">
             <a:extLst>
               <a:ext uri="{FF2B5EF4-FFF2-40B4-BE49-F238E27FC236}">
-                <a16:creationId xmlns:a16="http://schemas.microsoft.com/office/drawing/2014/main" id="{387177D9-7D52-6AE0-356A-81106BE25136}"/>
+                <a16:creationId xmlns:a16="http://schemas.microsoft.com/office/drawing/2014/main" id="{8828616E-6DDB-20F0-5768-D0EED1B8AA5C}"/>
               </a:ext>
             </a:extLst>
           </p:cNvPr>
@@ -2442,7 +2442,7 @@
           <a:bodyPr/>
           <a:lstStyle/>
           <a:p>
-            <a:fld id="{54D771B6-FFF6-4874-86DB-365C705460C1}" type="slidenum">
+            <a:fld id="{59999564-F205-4DBE-87A3-30DAE1E91CFD}" type="slidenum">
               <a:rPr lang="en-US" smtClean="0"/>
               <a:t>‹#›</a:t>
             </a:fld>
@@ -2453,7 +2453,7 @@
     </p:spTree>
     <p:extLst>
       <p:ext uri="{BB962C8B-B14F-4D97-AF65-F5344CB8AC3E}">
-        <p14:creationId xmlns:p14="http://schemas.microsoft.com/office/powerpoint/2010/main" val="1128857081"/>
+        <p14:creationId xmlns:p14="http://schemas.microsoft.com/office/powerpoint/2010/main" val="160511336"/>
       </p:ext>
     </p:extLst>
   </p:cSld>
@@ -2485,7 +2485,7 @@
           <p:cNvPr id="2" name="Title 1">
             <a:extLst>
               <a:ext uri="{FF2B5EF4-FFF2-40B4-BE49-F238E27FC236}">
-                <a16:creationId xmlns:a16="http://schemas.microsoft.com/office/drawing/2014/main" id="{D1C0C0CA-77B8-CBEF-BAB7-FB4141936DB6}"/>
+                <a16:creationId xmlns:a16="http://schemas.microsoft.com/office/drawing/2014/main" id="{E6A75D50-5488-F98E-23C1-89153C033AB6}"/>
               </a:ext>
             </a:extLst>
           </p:cNvPr>
@@ -2522,7 +2522,7 @@
           <p:cNvPr id="3" name="Picture Placeholder 2">
             <a:extLst>
               <a:ext uri="{FF2B5EF4-FFF2-40B4-BE49-F238E27FC236}">
-                <a16:creationId xmlns:a16="http://schemas.microsoft.com/office/drawing/2014/main" id="{4EEFBEA1-FF29-B12E-CC7A-2F4D4A630EFF}"/>
+                <a16:creationId xmlns:a16="http://schemas.microsoft.com/office/drawing/2014/main" id="{A24B1191-5601-EA19-6560-61E0DFD2BAB8}"/>
               </a:ext>
             </a:extLst>
           </p:cNvPr>
@@ -2589,7 +2589,7 @@
           <p:cNvPr id="4" name="Text Placeholder 3">
             <a:extLst>
               <a:ext uri="{FF2B5EF4-FFF2-40B4-BE49-F238E27FC236}">
-                <a16:creationId xmlns:a16="http://schemas.microsoft.com/office/drawing/2014/main" id="{578D3DDA-FA4B-5041-A79D-9512CD8B48C0}"/>
+                <a16:creationId xmlns:a16="http://schemas.microsoft.com/office/drawing/2014/main" id="{E41B523A-C174-615B-98EA-ED18AECC3903}"/>
               </a:ext>
             </a:extLst>
           </p:cNvPr>
@@ -2660,7 +2660,7 @@
           <p:cNvPr id="5" name="Date Placeholder 4">
             <a:extLst>
               <a:ext uri="{FF2B5EF4-FFF2-40B4-BE49-F238E27FC236}">
-                <a16:creationId xmlns:a16="http://schemas.microsoft.com/office/drawing/2014/main" id="{96FB4E70-1EEA-6A29-2351-6CC4C75CAFA5}"/>
+                <a16:creationId xmlns:a16="http://schemas.microsoft.com/office/drawing/2014/main" id="{4EC7B29E-C563-C82F-F554-50355456FE2E}"/>
               </a:ext>
             </a:extLst>
           </p:cNvPr>
@@ -2676,9 +2676,9 @@
           <a:bodyPr/>
           <a:lstStyle/>
           <a:p>
-            <a:fld id="{84A8E8E9-83F6-470A-A126-56D1473B8F8A}" type="datetimeFigureOut">
+            <a:fld id="{95704818-747F-4497-8D7B-85C4E42C06C9}" type="datetimeFigureOut">
               <a:rPr lang="en-US" smtClean="0"/>
-              <a:t>4/20/2024</a:t>
+              <a:t>5/15/2024</a:t>
             </a:fld>
             <a:endParaRPr lang="en-US"/>
           </a:p>
@@ -2689,7 +2689,7 @@
           <p:cNvPr id="6" name="Footer Placeholder 5">
             <a:extLst>
               <a:ext uri="{FF2B5EF4-FFF2-40B4-BE49-F238E27FC236}">
-                <a16:creationId xmlns:a16="http://schemas.microsoft.com/office/drawing/2014/main" id="{79749712-8E6C-A41B-16B1-02374283B0E3}"/>
+                <a16:creationId xmlns:a16="http://schemas.microsoft.com/office/drawing/2014/main" id="{15811CFC-D019-8753-ECB2-521353804B4D}"/>
               </a:ext>
             </a:extLst>
           </p:cNvPr>
@@ -2714,7 +2714,7 @@
           <p:cNvPr id="7" name="Slide Number Placeholder 6">
             <a:extLst>
               <a:ext uri="{FF2B5EF4-FFF2-40B4-BE49-F238E27FC236}">
-                <a16:creationId xmlns:a16="http://schemas.microsoft.com/office/drawing/2014/main" id="{2FAD5DEB-D82D-3FDB-B4BE-B9B199F7966E}"/>
+                <a16:creationId xmlns:a16="http://schemas.microsoft.com/office/drawing/2014/main" id="{C91FC5A0-77BE-F9D7-3168-5FFAFDA7F482}"/>
               </a:ext>
             </a:extLst>
           </p:cNvPr>
@@ -2730,7 +2730,7 @@
           <a:bodyPr/>
           <a:lstStyle/>
           <a:p>
-            <a:fld id="{54D771B6-FFF6-4874-86DB-365C705460C1}" type="slidenum">
+            <a:fld id="{59999564-F205-4DBE-87A3-30DAE1E91CFD}" type="slidenum">
               <a:rPr lang="en-US" smtClean="0"/>
               <a:t>‹#›</a:t>
             </a:fld>
@@ -2741,7 +2741,7 @@
     </p:spTree>
     <p:extLst>
       <p:ext uri="{BB962C8B-B14F-4D97-AF65-F5344CB8AC3E}">
-        <p14:creationId xmlns:p14="http://schemas.microsoft.com/office/powerpoint/2010/main" val="4078730573"/>
+        <p14:creationId xmlns:p14="http://schemas.microsoft.com/office/powerpoint/2010/main" val="3196393311"/>
       </p:ext>
     </p:extLst>
   </p:cSld>
@@ -2778,7 +2778,7 @@
           <p:cNvPr id="2" name="Title Placeholder 1">
             <a:extLst>
               <a:ext uri="{FF2B5EF4-FFF2-40B4-BE49-F238E27FC236}">
-                <a16:creationId xmlns:a16="http://schemas.microsoft.com/office/drawing/2014/main" id="{492BFB27-17A8-C68B-D31D-D74D5ADD25D9}"/>
+                <a16:creationId xmlns:a16="http://schemas.microsoft.com/office/drawing/2014/main" id="{712783D7-E576-7098-9BDA-C81DAA2858BC}"/>
               </a:ext>
             </a:extLst>
           </p:cNvPr>
@@ -2816,7 +2816,7 @@
           <p:cNvPr id="3" name="Text Placeholder 2">
             <a:extLst>
               <a:ext uri="{FF2B5EF4-FFF2-40B4-BE49-F238E27FC236}">
-                <a16:creationId xmlns:a16="http://schemas.microsoft.com/office/drawing/2014/main" id="{DD6BB994-E4A1-1676-778A-0EAD5E016160}"/>
+                <a16:creationId xmlns:a16="http://schemas.microsoft.com/office/drawing/2014/main" id="{7A7D0682-431C-1F7A-4025-DDA616B8A3F2}"/>
               </a:ext>
             </a:extLst>
           </p:cNvPr>
@@ -2883,7 +2883,7 @@
           <p:cNvPr id="4" name="Date Placeholder 3">
             <a:extLst>
               <a:ext uri="{FF2B5EF4-FFF2-40B4-BE49-F238E27FC236}">
-                <a16:creationId xmlns:a16="http://schemas.microsoft.com/office/drawing/2014/main" id="{27826914-A185-4C1E-5AD1-0E32FE145D5D}"/>
+                <a16:creationId xmlns:a16="http://schemas.microsoft.com/office/drawing/2014/main" id="{E502FD3E-46A5-AECD-407D-46FAD8F4D5EC}"/>
               </a:ext>
             </a:extLst>
           </p:cNvPr>
@@ -2917,9 +2917,9 @@
             </a:lvl1pPr>
           </a:lstStyle>
           <a:p>
-            <a:fld id="{84A8E8E9-83F6-470A-A126-56D1473B8F8A}" type="datetimeFigureOut">
+            <a:fld id="{95704818-747F-4497-8D7B-85C4E42C06C9}" type="datetimeFigureOut">
               <a:rPr lang="en-US" smtClean="0"/>
-              <a:t>4/20/2024</a:t>
+              <a:t>5/15/2024</a:t>
             </a:fld>
             <a:endParaRPr lang="en-US"/>
           </a:p>
@@ -2930,7 +2930,7 @@
           <p:cNvPr id="5" name="Footer Placeholder 4">
             <a:extLst>
               <a:ext uri="{FF2B5EF4-FFF2-40B4-BE49-F238E27FC236}">
-                <a16:creationId xmlns:a16="http://schemas.microsoft.com/office/drawing/2014/main" id="{9D463309-C36C-9FB8-545F-FEE57B9C3AA3}"/>
+                <a16:creationId xmlns:a16="http://schemas.microsoft.com/office/drawing/2014/main" id="{DBB44154-A6B4-D2AB-F4D4-F8A79D1DAE9F}"/>
               </a:ext>
             </a:extLst>
           </p:cNvPr>
@@ -2973,7 +2973,7 @@
           <p:cNvPr id="6" name="Slide Number Placeholder 5">
             <a:extLst>
               <a:ext uri="{FF2B5EF4-FFF2-40B4-BE49-F238E27FC236}">
-                <a16:creationId xmlns:a16="http://schemas.microsoft.com/office/drawing/2014/main" id="{88F7EA78-462A-07F2-8461-6125E50BE445}"/>
+                <a16:creationId xmlns:a16="http://schemas.microsoft.com/office/drawing/2014/main" id="{8DCEFB4F-6C65-BD6F-7C74-582DE3C3BDF5}"/>
               </a:ext>
             </a:extLst>
           </p:cNvPr>
@@ -3007,7 +3007,7 @@
             </a:lvl1pPr>
           </a:lstStyle>
           <a:p>
-            <a:fld id="{54D771B6-FFF6-4874-86DB-365C705460C1}" type="slidenum">
+            <a:fld id="{59999564-F205-4DBE-87A3-30DAE1E91CFD}" type="slidenum">
               <a:rPr lang="en-US" smtClean="0"/>
               <a:t>‹#›</a:t>
             </a:fld>
@@ -3018,7 +3018,7 @@
     </p:spTree>
     <p:extLst>
       <p:ext uri="{BB962C8B-B14F-4D97-AF65-F5344CB8AC3E}">
-        <p14:creationId xmlns:p14="http://schemas.microsoft.com/office/powerpoint/2010/main" val="1718541178"/>
+        <p14:creationId xmlns:p14="http://schemas.microsoft.com/office/powerpoint/2010/main" val="974532419"/>
       </p:ext>
     </p:extLst>
   </p:cSld>
@@ -3525,6 +3525,55 @@
           <a:lstStyle/>
           <a:p>
             <a:r>
+              <a:rPr lang="th-TH" dirty="0">
+                <a:solidFill>
+                  <a:srgbClr val="000000"/>
+                </a:solidFill>
+                <a:latin typeface="TH SarabunPSK" panose="020B0500040200020003" pitchFamily="34" charset="-34"/>
+                <a:cs typeface="TH SarabunPSK" panose="020B0500040200020003" pitchFamily="34" charset="-34"/>
+              </a:rPr>
+              <a:t>บทที่ 7 การแสดงผลการเปรียบเทียบข้อมูล </a:t>
+            </a:r>
+            <a:r>
+              <a:rPr lang="en-US" dirty="0">
+                <a:solidFill>
+                  <a:srgbClr val="000000"/>
+                </a:solidFill>
+                <a:latin typeface="TH SarabunPSK" panose="020B0500040200020003" pitchFamily="34" charset="-34"/>
+                <a:cs typeface="TH SarabunPSK" panose="020B0500040200020003" pitchFamily="34" charset="-34"/>
+              </a:rPr>
+              <a:t>(</a:t>
+            </a:r>
+            <a:r>
+              <a:rPr lang="th-TH" dirty="0">
+                <a:solidFill>
+                  <a:srgbClr val="000000"/>
+                </a:solidFill>
+                <a:latin typeface="TH SarabunPSK" panose="020B0500040200020003" pitchFamily="34" charset="-34"/>
+                <a:cs typeface="TH SarabunPSK" panose="020B0500040200020003" pitchFamily="34" charset="-34"/>
+              </a:rPr>
+              <a:t>ต่อ</a:t>
+            </a:r>
+            <a:r>
+              <a:rPr lang="en-US" dirty="0">
+                <a:solidFill>
+                  <a:srgbClr val="000000"/>
+                </a:solidFill>
+                <a:latin typeface="TH SarabunPSK" panose="020B0500040200020003" pitchFamily="34" charset="-34"/>
+                <a:cs typeface="TH SarabunPSK" panose="020B0500040200020003" pitchFamily="34" charset="-34"/>
+              </a:rPr>
+              <a:t>)</a:t>
+            </a:r>
+            <a:endParaRPr lang="th-TH" dirty="0">
+              <a:solidFill>
+                <a:srgbClr val="000000"/>
+              </a:solidFill>
+              <a:latin typeface="TH SarabunPSK" panose="020B0500040200020003" pitchFamily="34" charset="-34"/>
+              <a:cs typeface="TH SarabunPSK" panose="020B0500040200020003" pitchFamily="34" charset="-34"/>
+            </a:endParaRPr>
+          </a:p>
+          <a:p>
+            <a:r>
               <a:rPr lang="en-US" dirty="0">
                 <a:solidFill>
                   <a:srgbClr val="000000"/>
@@ -5038,6 +5087,42 @@
           </a:p>
         </p:txBody>
       </p:sp>
+      <p:pic>
+        <p:nvPicPr>
+          <p:cNvPr id="10" name="Picture 9" descr="A blue bar graph with a white rope&#10;&#10;Description automatically generated">
+            <a:extLst>
+              <a:ext uri="{FF2B5EF4-FFF2-40B4-BE49-F238E27FC236}">
+                <a16:creationId xmlns:a16="http://schemas.microsoft.com/office/drawing/2014/main" id="{2F76E203-148B-93AD-AA1C-9250731C6C4F}"/>
+              </a:ext>
+            </a:extLst>
+          </p:cNvPr>
+          <p:cNvPicPr>
+            <a:picLocks noChangeAspect="1"/>
+          </p:cNvPicPr>
+          <p:nvPr/>
+        </p:nvPicPr>
+        <p:blipFill>
+          <a:blip r:embed="rId3">
+            <a:extLst>
+              <a:ext uri="{28A0092B-C50C-407E-A947-70E740481C1C}">
+                <a14:useLocalDpi xmlns:a14="http://schemas.microsoft.com/office/drawing/2010/main" val="0"/>
+              </a:ext>
+            </a:extLst>
+          </a:blip>
+          <a:stretch>
+            <a:fillRect/>
+          </a:stretch>
+        </p:blipFill>
+        <p:spPr>
+          <a:xfrm>
+            <a:off x="6074287" y="1412697"/>
+            <a:ext cx="6003036" cy="4003978"/>
+          </a:xfrm>
+          <a:prstGeom prst="rect">
+            <a:avLst/>
+          </a:prstGeom>
+        </p:spPr>
+      </p:pic>
     </p:spTree>
     <p:extLst>
       <p:ext uri="{BB962C8B-B14F-4D97-AF65-F5344CB8AC3E}">

--- a/PPT/Class period 19.pptx
+++ b/PPT/Class period 19.pptx
@@ -119,6 +119,11 @@
       </a:defRPr>
     </a:lvl9pPr>
   </p:defaultTextStyle>
+  <p:extLst>
+    <p:ext uri="{EFAFB233-063F-42B5-8137-9DF3F51BA10A}">
+      <p15:sldGuideLst xmlns:p15="http://schemas.microsoft.com/office/powerpoint/2012/main"/>
+    </p:ext>
+  </p:extLst>
 </p:presentation>
 </file>
 
@@ -269,7 +274,7 @@
           <a:p>
             <a:fld id="{95704818-747F-4497-8D7B-85C4E42C06C9}" type="datetimeFigureOut">
               <a:rPr lang="en-US" smtClean="0"/>
-              <a:t>5/15/2024</a:t>
+              <a:t>6/17/2024</a:t>
             </a:fld>
             <a:endParaRPr lang="en-US"/>
           </a:p>
@@ -467,7 +472,7 @@
           <a:p>
             <a:fld id="{95704818-747F-4497-8D7B-85C4E42C06C9}" type="datetimeFigureOut">
               <a:rPr lang="en-US" smtClean="0"/>
-              <a:t>5/15/2024</a:t>
+              <a:t>6/17/2024</a:t>
             </a:fld>
             <a:endParaRPr lang="en-US"/>
           </a:p>
@@ -675,7 +680,7 @@
           <a:p>
             <a:fld id="{95704818-747F-4497-8D7B-85C4E42C06C9}" type="datetimeFigureOut">
               <a:rPr lang="en-US" smtClean="0"/>
-              <a:t>5/15/2024</a:t>
+              <a:t>6/17/2024</a:t>
             </a:fld>
             <a:endParaRPr lang="en-US"/>
           </a:p>
@@ -873,7 +878,7 @@
           <a:p>
             <a:fld id="{95704818-747F-4497-8D7B-85C4E42C06C9}" type="datetimeFigureOut">
               <a:rPr lang="en-US" smtClean="0"/>
-              <a:t>5/15/2024</a:t>
+              <a:t>6/17/2024</a:t>
             </a:fld>
             <a:endParaRPr lang="en-US"/>
           </a:p>
@@ -1148,7 +1153,7 @@
           <a:p>
             <a:fld id="{95704818-747F-4497-8D7B-85C4E42C06C9}" type="datetimeFigureOut">
               <a:rPr lang="en-US" smtClean="0"/>
-              <a:t>5/15/2024</a:t>
+              <a:t>6/17/2024</a:t>
             </a:fld>
             <a:endParaRPr lang="en-US"/>
           </a:p>
@@ -1413,7 +1418,7 @@
           <a:p>
             <a:fld id="{95704818-747F-4497-8D7B-85C4E42C06C9}" type="datetimeFigureOut">
               <a:rPr lang="en-US" smtClean="0"/>
-              <a:t>5/15/2024</a:t>
+              <a:t>6/17/2024</a:t>
             </a:fld>
             <a:endParaRPr lang="en-US"/>
           </a:p>
@@ -1825,7 +1830,7 @@
           <a:p>
             <a:fld id="{95704818-747F-4497-8D7B-85C4E42C06C9}" type="datetimeFigureOut">
               <a:rPr lang="en-US" smtClean="0"/>
-              <a:t>5/15/2024</a:t>
+              <a:t>6/17/2024</a:t>
             </a:fld>
             <a:endParaRPr lang="en-US"/>
           </a:p>
@@ -1966,7 +1971,7 @@
           <a:p>
             <a:fld id="{95704818-747F-4497-8D7B-85C4E42C06C9}" type="datetimeFigureOut">
               <a:rPr lang="en-US" smtClean="0"/>
-              <a:t>5/15/2024</a:t>
+              <a:t>6/17/2024</a:t>
             </a:fld>
             <a:endParaRPr lang="en-US"/>
           </a:p>
@@ -2079,7 +2084,7 @@
           <a:p>
             <a:fld id="{95704818-747F-4497-8D7B-85C4E42C06C9}" type="datetimeFigureOut">
               <a:rPr lang="en-US" smtClean="0"/>
-              <a:t>5/15/2024</a:t>
+              <a:t>6/17/2024</a:t>
             </a:fld>
             <a:endParaRPr lang="en-US"/>
           </a:p>
@@ -2390,7 +2395,7 @@
           <a:p>
             <a:fld id="{95704818-747F-4497-8D7B-85C4E42C06C9}" type="datetimeFigureOut">
               <a:rPr lang="en-US" smtClean="0"/>
-              <a:t>5/15/2024</a:t>
+              <a:t>6/17/2024</a:t>
             </a:fld>
             <a:endParaRPr lang="en-US"/>
           </a:p>
@@ -2678,7 +2683,7 @@
           <a:p>
             <a:fld id="{95704818-747F-4497-8D7B-85C4E42C06C9}" type="datetimeFigureOut">
               <a:rPr lang="en-US" smtClean="0"/>
-              <a:t>5/15/2024</a:t>
+              <a:t>6/17/2024</a:t>
             </a:fld>
             <a:endParaRPr lang="en-US"/>
           </a:p>
@@ -2919,7 +2924,7 @@
           <a:p>
             <a:fld id="{95704818-747F-4497-8D7B-85C4E42C06C9}" type="datetimeFigureOut">
               <a:rPr lang="en-US" smtClean="0"/>
-              <a:t>5/15/2024</a:t>
+              <a:t>6/17/2024</a:t>
             </a:fld>
             <a:endParaRPr lang="en-US"/>
           </a:p>
@@ -3596,6 +3601,73 @@
           </a:p>
         </p:txBody>
       </p:sp>
+      <p:sp>
+        <p:nvSpPr>
+          <p:cNvPr id="7" name="TextBox 6">
+            <a:extLst>
+              <a:ext uri="{FF2B5EF4-FFF2-40B4-BE49-F238E27FC236}">
+                <a16:creationId xmlns:a16="http://schemas.microsoft.com/office/drawing/2014/main" id="{D8718F94-1D01-521A-C596-D00F67ECE972}"/>
+              </a:ext>
+            </a:extLst>
+          </p:cNvPr>
+          <p:cNvSpPr txBox="1"/>
+          <p:nvPr/>
+        </p:nvSpPr>
+        <p:spPr>
+          <a:xfrm>
+            <a:off x="114677" y="6172611"/>
+            <a:ext cx="5532120" cy="461665"/>
+          </a:xfrm>
+          <a:prstGeom prst="rect">
+            <a:avLst/>
+          </a:prstGeom>
+          <a:noFill/>
+        </p:spPr>
+        <p:txBody>
+          <a:bodyPr wrap="square">
+            <a:spAutoFit/>
+          </a:bodyPr>
+          <a:lstStyle/>
+          <a:p>
+            <a:pPr algn="l"/>
+            <a:r>
+              <a:rPr lang="th-TH" sz="2400" dirty="0">
+                <a:latin typeface="TH SarabunPSK" panose="020B0500040200020003" pitchFamily="34" charset="-34"/>
+                <a:cs typeface="TH SarabunPSK" panose="020B0500040200020003" pitchFamily="34" charset="-34"/>
+              </a:rPr>
+              <a:t>โดย ผศ</a:t>
+            </a:r>
+            <a:r>
+              <a:rPr lang="en-US" sz="2400" dirty="0">
+                <a:latin typeface="TH SarabunPSK" panose="020B0500040200020003" pitchFamily="34" charset="-34"/>
+                <a:cs typeface="TH SarabunPSK" panose="020B0500040200020003" pitchFamily="34" charset="-34"/>
+              </a:rPr>
+              <a:t>. </a:t>
+            </a:r>
+            <a:r>
+              <a:rPr lang="th-TH" sz="2400" dirty="0">
+                <a:latin typeface="TH SarabunPSK" panose="020B0500040200020003" pitchFamily="34" charset="-34"/>
+                <a:cs typeface="TH SarabunPSK" panose="020B0500040200020003" pitchFamily="34" charset="-34"/>
+              </a:rPr>
+              <a:t>ดร</a:t>
+            </a:r>
+            <a:r>
+              <a:rPr lang="en-US" sz="2400" dirty="0">
+                <a:latin typeface="TH SarabunPSK" panose="020B0500040200020003" pitchFamily="34" charset="-34"/>
+                <a:cs typeface="TH SarabunPSK" panose="020B0500040200020003" pitchFamily="34" charset="-34"/>
+              </a:rPr>
+              <a:t>.</a:t>
+            </a:r>
+            <a:r>
+              <a:rPr lang="th-TH" sz="2400" dirty="0">
+                <a:latin typeface="TH SarabunPSK" panose="020B0500040200020003" pitchFamily="34" charset="-34"/>
+                <a:cs typeface="TH SarabunPSK" panose="020B0500040200020003" pitchFamily="34" charset="-34"/>
+              </a:rPr>
+              <a:t>ธนพงศ์ อินทระ สาขาวิชาสถิติ มหาวิทยาลัยขอนแก่น </a:t>
+            </a:r>
+          </a:p>
+        </p:txBody>
+      </p:sp>
     </p:spTree>
     <p:extLst>
       <p:ext uri="{BB962C8B-B14F-4D97-AF65-F5344CB8AC3E}">
@@ -4081,6 +4153,73 @@
           </a:prstGeom>
         </p:spPr>
       </p:pic>
+      <p:sp>
+        <p:nvSpPr>
+          <p:cNvPr id="9" name="TextBox 8">
+            <a:extLst>
+              <a:ext uri="{FF2B5EF4-FFF2-40B4-BE49-F238E27FC236}">
+                <a16:creationId xmlns:a16="http://schemas.microsoft.com/office/drawing/2014/main" id="{7791619D-7FB7-D627-E800-CE5DEDC5B01D}"/>
+              </a:ext>
+            </a:extLst>
+          </p:cNvPr>
+          <p:cNvSpPr txBox="1"/>
+          <p:nvPr/>
+        </p:nvSpPr>
+        <p:spPr>
+          <a:xfrm>
+            <a:off x="114677" y="6172611"/>
+            <a:ext cx="5532120" cy="461665"/>
+          </a:xfrm>
+          <a:prstGeom prst="rect">
+            <a:avLst/>
+          </a:prstGeom>
+          <a:noFill/>
+        </p:spPr>
+        <p:txBody>
+          <a:bodyPr wrap="square">
+            <a:spAutoFit/>
+          </a:bodyPr>
+          <a:lstStyle/>
+          <a:p>
+            <a:pPr algn="l"/>
+            <a:r>
+              <a:rPr lang="th-TH" sz="2400" dirty="0">
+                <a:latin typeface="TH SarabunPSK" panose="020B0500040200020003" pitchFamily="34" charset="-34"/>
+                <a:cs typeface="TH SarabunPSK" panose="020B0500040200020003" pitchFamily="34" charset="-34"/>
+              </a:rPr>
+              <a:t>โดย ผศ</a:t>
+            </a:r>
+            <a:r>
+              <a:rPr lang="en-US" sz="2400" dirty="0">
+                <a:latin typeface="TH SarabunPSK" panose="020B0500040200020003" pitchFamily="34" charset="-34"/>
+                <a:cs typeface="TH SarabunPSK" panose="020B0500040200020003" pitchFamily="34" charset="-34"/>
+              </a:rPr>
+              <a:t>. </a:t>
+            </a:r>
+            <a:r>
+              <a:rPr lang="th-TH" sz="2400" dirty="0">
+                <a:latin typeface="TH SarabunPSK" panose="020B0500040200020003" pitchFamily="34" charset="-34"/>
+                <a:cs typeface="TH SarabunPSK" panose="020B0500040200020003" pitchFamily="34" charset="-34"/>
+              </a:rPr>
+              <a:t>ดร</a:t>
+            </a:r>
+            <a:r>
+              <a:rPr lang="en-US" sz="2400" dirty="0">
+                <a:latin typeface="TH SarabunPSK" panose="020B0500040200020003" pitchFamily="34" charset="-34"/>
+                <a:cs typeface="TH SarabunPSK" panose="020B0500040200020003" pitchFamily="34" charset="-34"/>
+              </a:rPr>
+              <a:t>.</a:t>
+            </a:r>
+            <a:r>
+              <a:rPr lang="th-TH" sz="2400" dirty="0">
+                <a:latin typeface="TH SarabunPSK" panose="020B0500040200020003" pitchFamily="34" charset="-34"/>
+                <a:cs typeface="TH SarabunPSK" panose="020B0500040200020003" pitchFamily="34" charset="-34"/>
+              </a:rPr>
+              <a:t>ธนพงศ์ อินทระ สาขาวิชาสถิติ มหาวิทยาลัยขอนแก่น </a:t>
+            </a:r>
+          </a:p>
+        </p:txBody>
+      </p:sp>
     </p:spTree>
     <p:extLst>
       <p:ext uri="{BB962C8B-B14F-4D97-AF65-F5344CB8AC3E}">
@@ -4604,6 +4743,73 @@
           </a:p>
         </p:txBody>
       </p:sp>
+      <p:sp>
+        <p:nvSpPr>
+          <p:cNvPr id="9" name="TextBox 8">
+            <a:extLst>
+              <a:ext uri="{FF2B5EF4-FFF2-40B4-BE49-F238E27FC236}">
+                <a16:creationId xmlns:a16="http://schemas.microsoft.com/office/drawing/2014/main" id="{FCDC0B82-D8B7-9203-F4F0-8E83E89D0ACE}"/>
+              </a:ext>
+            </a:extLst>
+          </p:cNvPr>
+          <p:cNvSpPr txBox="1"/>
+          <p:nvPr/>
+        </p:nvSpPr>
+        <p:spPr>
+          <a:xfrm>
+            <a:off x="114677" y="6172611"/>
+            <a:ext cx="5532120" cy="461665"/>
+          </a:xfrm>
+          <a:prstGeom prst="rect">
+            <a:avLst/>
+          </a:prstGeom>
+          <a:noFill/>
+        </p:spPr>
+        <p:txBody>
+          <a:bodyPr wrap="square">
+            <a:spAutoFit/>
+          </a:bodyPr>
+          <a:lstStyle/>
+          <a:p>
+            <a:pPr algn="l"/>
+            <a:r>
+              <a:rPr lang="th-TH" sz="2400" dirty="0">
+                <a:latin typeface="TH SarabunPSK" panose="020B0500040200020003" pitchFamily="34" charset="-34"/>
+                <a:cs typeface="TH SarabunPSK" panose="020B0500040200020003" pitchFamily="34" charset="-34"/>
+              </a:rPr>
+              <a:t>โดย ผศ</a:t>
+            </a:r>
+            <a:r>
+              <a:rPr lang="en-US" sz="2400" dirty="0">
+                <a:latin typeface="TH SarabunPSK" panose="020B0500040200020003" pitchFamily="34" charset="-34"/>
+                <a:cs typeface="TH SarabunPSK" panose="020B0500040200020003" pitchFamily="34" charset="-34"/>
+              </a:rPr>
+              <a:t>. </a:t>
+            </a:r>
+            <a:r>
+              <a:rPr lang="th-TH" sz="2400" dirty="0">
+                <a:latin typeface="TH SarabunPSK" panose="020B0500040200020003" pitchFamily="34" charset="-34"/>
+                <a:cs typeface="TH SarabunPSK" panose="020B0500040200020003" pitchFamily="34" charset="-34"/>
+              </a:rPr>
+              <a:t>ดร</a:t>
+            </a:r>
+            <a:r>
+              <a:rPr lang="en-US" sz="2400" dirty="0">
+                <a:latin typeface="TH SarabunPSK" panose="020B0500040200020003" pitchFamily="34" charset="-34"/>
+                <a:cs typeface="TH SarabunPSK" panose="020B0500040200020003" pitchFamily="34" charset="-34"/>
+              </a:rPr>
+              <a:t>.</a:t>
+            </a:r>
+            <a:r>
+              <a:rPr lang="th-TH" sz="2400" dirty="0">
+                <a:latin typeface="TH SarabunPSK" panose="020B0500040200020003" pitchFamily="34" charset="-34"/>
+                <a:cs typeface="TH SarabunPSK" panose="020B0500040200020003" pitchFamily="34" charset="-34"/>
+              </a:rPr>
+              <a:t>ธนพงศ์ อินทระ สาขาวิชาสถิติ มหาวิทยาลัยขอนแก่น </a:t>
+            </a:r>
+          </a:p>
+        </p:txBody>
+      </p:sp>
     </p:spTree>
     <p:extLst>
       <p:ext uri="{BB962C8B-B14F-4D97-AF65-F5344CB8AC3E}">
@@ -5123,6 +5329,73 @@
           </a:prstGeom>
         </p:spPr>
       </p:pic>
+      <p:sp>
+        <p:nvSpPr>
+          <p:cNvPr id="9" name="TextBox 8">
+            <a:extLst>
+              <a:ext uri="{FF2B5EF4-FFF2-40B4-BE49-F238E27FC236}">
+                <a16:creationId xmlns:a16="http://schemas.microsoft.com/office/drawing/2014/main" id="{36386752-BA7C-A057-797C-2FAC00FA675C}"/>
+              </a:ext>
+            </a:extLst>
+          </p:cNvPr>
+          <p:cNvSpPr txBox="1"/>
+          <p:nvPr/>
+        </p:nvSpPr>
+        <p:spPr>
+          <a:xfrm>
+            <a:off x="114677" y="6172611"/>
+            <a:ext cx="5532120" cy="461665"/>
+          </a:xfrm>
+          <a:prstGeom prst="rect">
+            <a:avLst/>
+          </a:prstGeom>
+          <a:noFill/>
+        </p:spPr>
+        <p:txBody>
+          <a:bodyPr wrap="square">
+            <a:spAutoFit/>
+          </a:bodyPr>
+          <a:lstStyle/>
+          <a:p>
+            <a:pPr algn="l"/>
+            <a:r>
+              <a:rPr lang="th-TH" sz="2400" dirty="0">
+                <a:latin typeface="TH SarabunPSK" panose="020B0500040200020003" pitchFamily="34" charset="-34"/>
+                <a:cs typeface="TH SarabunPSK" panose="020B0500040200020003" pitchFamily="34" charset="-34"/>
+              </a:rPr>
+              <a:t>โดย ผศ</a:t>
+            </a:r>
+            <a:r>
+              <a:rPr lang="en-US" sz="2400" dirty="0">
+                <a:latin typeface="TH SarabunPSK" panose="020B0500040200020003" pitchFamily="34" charset="-34"/>
+                <a:cs typeface="TH SarabunPSK" panose="020B0500040200020003" pitchFamily="34" charset="-34"/>
+              </a:rPr>
+              <a:t>. </a:t>
+            </a:r>
+            <a:r>
+              <a:rPr lang="th-TH" sz="2400" dirty="0">
+                <a:latin typeface="TH SarabunPSK" panose="020B0500040200020003" pitchFamily="34" charset="-34"/>
+                <a:cs typeface="TH SarabunPSK" panose="020B0500040200020003" pitchFamily="34" charset="-34"/>
+              </a:rPr>
+              <a:t>ดร</a:t>
+            </a:r>
+            <a:r>
+              <a:rPr lang="en-US" sz="2400" dirty="0">
+                <a:latin typeface="TH SarabunPSK" panose="020B0500040200020003" pitchFamily="34" charset="-34"/>
+                <a:cs typeface="TH SarabunPSK" panose="020B0500040200020003" pitchFamily="34" charset="-34"/>
+              </a:rPr>
+              <a:t>.</a:t>
+            </a:r>
+            <a:r>
+              <a:rPr lang="th-TH" sz="2400" dirty="0">
+                <a:latin typeface="TH SarabunPSK" panose="020B0500040200020003" pitchFamily="34" charset="-34"/>
+                <a:cs typeface="TH SarabunPSK" panose="020B0500040200020003" pitchFamily="34" charset="-34"/>
+              </a:rPr>
+              <a:t>ธนพงศ์ อินทระ สาขาวิชาสถิติ มหาวิทยาลัยขอนแก่น </a:t>
+            </a:r>
+          </a:p>
+        </p:txBody>
+      </p:sp>
     </p:spTree>
     <p:extLst>
       <p:ext uri="{BB962C8B-B14F-4D97-AF65-F5344CB8AC3E}">
@@ -5673,6 +5946,73 @@
           </a:p>
         </p:txBody>
       </p:sp>
+      <p:sp>
+        <p:nvSpPr>
+          <p:cNvPr id="9" name="TextBox 8">
+            <a:extLst>
+              <a:ext uri="{FF2B5EF4-FFF2-40B4-BE49-F238E27FC236}">
+                <a16:creationId xmlns:a16="http://schemas.microsoft.com/office/drawing/2014/main" id="{C464904D-1C25-9FF8-13CC-B2EE467A915C}"/>
+              </a:ext>
+            </a:extLst>
+          </p:cNvPr>
+          <p:cNvSpPr txBox="1"/>
+          <p:nvPr/>
+        </p:nvSpPr>
+        <p:spPr>
+          <a:xfrm>
+            <a:off x="114677" y="6172611"/>
+            <a:ext cx="5532120" cy="461665"/>
+          </a:xfrm>
+          <a:prstGeom prst="rect">
+            <a:avLst/>
+          </a:prstGeom>
+          <a:noFill/>
+        </p:spPr>
+        <p:txBody>
+          <a:bodyPr wrap="square">
+            <a:spAutoFit/>
+          </a:bodyPr>
+          <a:lstStyle/>
+          <a:p>
+            <a:pPr algn="l"/>
+            <a:r>
+              <a:rPr lang="th-TH" sz="2400" dirty="0">
+                <a:latin typeface="TH SarabunPSK" panose="020B0500040200020003" pitchFamily="34" charset="-34"/>
+                <a:cs typeface="TH SarabunPSK" panose="020B0500040200020003" pitchFamily="34" charset="-34"/>
+              </a:rPr>
+              <a:t>โดย ผศ</a:t>
+            </a:r>
+            <a:r>
+              <a:rPr lang="en-US" sz="2400" dirty="0">
+                <a:latin typeface="TH SarabunPSK" panose="020B0500040200020003" pitchFamily="34" charset="-34"/>
+                <a:cs typeface="TH SarabunPSK" panose="020B0500040200020003" pitchFamily="34" charset="-34"/>
+              </a:rPr>
+              <a:t>. </a:t>
+            </a:r>
+            <a:r>
+              <a:rPr lang="th-TH" sz="2400" dirty="0">
+                <a:latin typeface="TH SarabunPSK" panose="020B0500040200020003" pitchFamily="34" charset="-34"/>
+                <a:cs typeface="TH SarabunPSK" panose="020B0500040200020003" pitchFamily="34" charset="-34"/>
+              </a:rPr>
+              <a:t>ดร</a:t>
+            </a:r>
+            <a:r>
+              <a:rPr lang="en-US" sz="2400" dirty="0">
+                <a:latin typeface="TH SarabunPSK" panose="020B0500040200020003" pitchFamily="34" charset="-34"/>
+                <a:cs typeface="TH SarabunPSK" panose="020B0500040200020003" pitchFamily="34" charset="-34"/>
+              </a:rPr>
+              <a:t>.</a:t>
+            </a:r>
+            <a:r>
+              <a:rPr lang="th-TH" sz="2400" dirty="0">
+                <a:latin typeface="TH SarabunPSK" panose="020B0500040200020003" pitchFamily="34" charset="-34"/>
+                <a:cs typeface="TH SarabunPSK" panose="020B0500040200020003" pitchFamily="34" charset="-34"/>
+              </a:rPr>
+              <a:t>ธนพงศ์ อินทระ สาขาวิชาสถิติ มหาวิทยาลัยขอนแก่น </a:t>
+            </a:r>
+          </a:p>
+        </p:txBody>
+      </p:sp>
     </p:spTree>
     <p:extLst>
       <p:ext uri="{BB962C8B-B14F-4D97-AF65-F5344CB8AC3E}">
@@ -6538,6 +6878,73 @@
           </a:p>
         </p:txBody>
       </p:sp>
+      <p:sp>
+        <p:nvSpPr>
+          <p:cNvPr id="9" name="TextBox 8">
+            <a:extLst>
+              <a:ext uri="{FF2B5EF4-FFF2-40B4-BE49-F238E27FC236}">
+                <a16:creationId xmlns:a16="http://schemas.microsoft.com/office/drawing/2014/main" id="{F69156BF-FE45-8C22-7F65-517F85289217}"/>
+              </a:ext>
+            </a:extLst>
+          </p:cNvPr>
+          <p:cNvSpPr txBox="1"/>
+          <p:nvPr/>
+        </p:nvSpPr>
+        <p:spPr>
+          <a:xfrm>
+            <a:off x="114677" y="6172611"/>
+            <a:ext cx="5532120" cy="461665"/>
+          </a:xfrm>
+          <a:prstGeom prst="rect">
+            <a:avLst/>
+          </a:prstGeom>
+          <a:noFill/>
+        </p:spPr>
+        <p:txBody>
+          <a:bodyPr wrap="square">
+            <a:spAutoFit/>
+          </a:bodyPr>
+          <a:lstStyle/>
+          <a:p>
+            <a:pPr algn="l"/>
+            <a:r>
+              <a:rPr lang="th-TH" sz="2400" dirty="0">
+                <a:latin typeface="TH SarabunPSK" panose="020B0500040200020003" pitchFamily="34" charset="-34"/>
+                <a:cs typeface="TH SarabunPSK" panose="020B0500040200020003" pitchFamily="34" charset="-34"/>
+              </a:rPr>
+              <a:t>โดย ผศ</a:t>
+            </a:r>
+            <a:r>
+              <a:rPr lang="en-US" sz="2400" dirty="0">
+                <a:latin typeface="TH SarabunPSK" panose="020B0500040200020003" pitchFamily="34" charset="-34"/>
+                <a:cs typeface="TH SarabunPSK" panose="020B0500040200020003" pitchFamily="34" charset="-34"/>
+              </a:rPr>
+              <a:t>. </a:t>
+            </a:r>
+            <a:r>
+              <a:rPr lang="th-TH" sz="2400" dirty="0">
+                <a:latin typeface="TH SarabunPSK" panose="020B0500040200020003" pitchFamily="34" charset="-34"/>
+                <a:cs typeface="TH SarabunPSK" panose="020B0500040200020003" pitchFamily="34" charset="-34"/>
+              </a:rPr>
+              <a:t>ดร</a:t>
+            </a:r>
+            <a:r>
+              <a:rPr lang="en-US" sz="2400" dirty="0">
+                <a:latin typeface="TH SarabunPSK" panose="020B0500040200020003" pitchFamily="34" charset="-34"/>
+                <a:cs typeface="TH SarabunPSK" panose="020B0500040200020003" pitchFamily="34" charset="-34"/>
+              </a:rPr>
+              <a:t>.</a:t>
+            </a:r>
+            <a:r>
+              <a:rPr lang="th-TH" sz="2400" dirty="0">
+                <a:latin typeface="TH SarabunPSK" panose="020B0500040200020003" pitchFamily="34" charset="-34"/>
+                <a:cs typeface="TH SarabunPSK" panose="020B0500040200020003" pitchFamily="34" charset="-34"/>
+              </a:rPr>
+              <a:t>ธนพงศ์ อินทระ สาขาวิชาสถิติ มหาวิทยาลัยขอนแก่น </a:t>
+            </a:r>
+          </a:p>
+        </p:txBody>
+      </p:sp>
     </p:spTree>
     <p:extLst>
       <p:ext uri="{BB962C8B-B14F-4D97-AF65-F5344CB8AC3E}">
@@ -7109,6 +7516,73 @@
           </a:prstGeom>
         </p:spPr>
       </p:pic>
+      <p:sp>
+        <p:nvSpPr>
+          <p:cNvPr id="10" name="TextBox 9">
+            <a:extLst>
+              <a:ext uri="{FF2B5EF4-FFF2-40B4-BE49-F238E27FC236}">
+                <a16:creationId xmlns:a16="http://schemas.microsoft.com/office/drawing/2014/main" id="{3FE90C5C-2DF0-9706-B564-E99B0D805F2E}"/>
+              </a:ext>
+            </a:extLst>
+          </p:cNvPr>
+          <p:cNvSpPr txBox="1"/>
+          <p:nvPr/>
+        </p:nvSpPr>
+        <p:spPr>
+          <a:xfrm>
+            <a:off x="114677" y="6172611"/>
+            <a:ext cx="5532120" cy="461665"/>
+          </a:xfrm>
+          <a:prstGeom prst="rect">
+            <a:avLst/>
+          </a:prstGeom>
+          <a:noFill/>
+        </p:spPr>
+        <p:txBody>
+          <a:bodyPr wrap="square">
+            <a:spAutoFit/>
+          </a:bodyPr>
+          <a:lstStyle/>
+          <a:p>
+            <a:pPr algn="l"/>
+            <a:r>
+              <a:rPr lang="th-TH" sz="2400" dirty="0">
+                <a:latin typeface="TH SarabunPSK" panose="020B0500040200020003" pitchFamily="34" charset="-34"/>
+                <a:cs typeface="TH SarabunPSK" panose="020B0500040200020003" pitchFamily="34" charset="-34"/>
+              </a:rPr>
+              <a:t>โดย ผศ</a:t>
+            </a:r>
+            <a:r>
+              <a:rPr lang="en-US" sz="2400" dirty="0">
+                <a:latin typeface="TH SarabunPSK" panose="020B0500040200020003" pitchFamily="34" charset="-34"/>
+                <a:cs typeface="TH SarabunPSK" panose="020B0500040200020003" pitchFamily="34" charset="-34"/>
+              </a:rPr>
+              <a:t>. </a:t>
+            </a:r>
+            <a:r>
+              <a:rPr lang="th-TH" sz="2400" dirty="0">
+                <a:latin typeface="TH SarabunPSK" panose="020B0500040200020003" pitchFamily="34" charset="-34"/>
+                <a:cs typeface="TH SarabunPSK" panose="020B0500040200020003" pitchFamily="34" charset="-34"/>
+              </a:rPr>
+              <a:t>ดร</a:t>
+            </a:r>
+            <a:r>
+              <a:rPr lang="en-US" sz="2400" dirty="0">
+                <a:latin typeface="TH SarabunPSK" panose="020B0500040200020003" pitchFamily="34" charset="-34"/>
+                <a:cs typeface="TH SarabunPSK" panose="020B0500040200020003" pitchFamily="34" charset="-34"/>
+              </a:rPr>
+              <a:t>.</a:t>
+            </a:r>
+            <a:r>
+              <a:rPr lang="th-TH" sz="2400" dirty="0">
+                <a:latin typeface="TH SarabunPSK" panose="020B0500040200020003" pitchFamily="34" charset="-34"/>
+                <a:cs typeface="TH SarabunPSK" panose="020B0500040200020003" pitchFamily="34" charset="-34"/>
+              </a:rPr>
+              <a:t>ธนพงศ์ อินทระ สาขาวิชาสถิติ มหาวิทยาลัยขอนแก่น </a:t>
+            </a:r>
+          </a:p>
+        </p:txBody>
+      </p:sp>
     </p:spTree>
     <p:extLst>
       <p:ext uri="{BB962C8B-B14F-4D97-AF65-F5344CB8AC3E}">
@@ -7746,6 +8220,73 @@
           </a:prstGeom>
         </p:spPr>
       </p:pic>
+      <p:sp>
+        <p:nvSpPr>
+          <p:cNvPr id="10" name="TextBox 9">
+            <a:extLst>
+              <a:ext uri="{FF2B5EF4-FFF2-40B4-BE49-F238E27FC236}">
+                <a16:creationId xmlns:a16="http://schemas.microsoft.com/office/drawing/2014/main" id="{E071E6B1-F333-9070-6212-E1C9CB8EFCBB}"/>
+              </a:ext>
+            </a:extLst>
+          </p:cNvPr>
+          <p:cNvSpPr txBox="1"/>
+          <p:nvPr/>
+        </p:nvSpPr>
+        <p:spPr>
+          <a:xfrm>
+            <a:off x="114677" y="6172611"/>
+            <a:ext cx="5532120" cy="461665"/>
+          </a:xfrm>
+          <a:prstGeom prst="rect">
+            <a:avLst/>
+          </a:prstGeom>
+          <a:noFill/>
+        </p:spPr>
+        <p:txBody>
+          <a:bodyPr wrap="square">
+            <a:spAutoFit/>
+          </a:bodyPr>
+          <a:lstStyle/>
+          <a:p>
+            <a:pPr algn="l"/>
+            <a:r>
+              <a:rPr lang="th-TH" sz="2400" dirty="0">
+                <a:latin typeface="TH SarabunPSK" panose="020B0500040200020003" pitchFamily="34" charset="-34"/>
+                <a:cs typeface="TH SarabunPSK" panose="020B0500040200020003" pitchFamily="34" charset="-34"/>
+              </a:rPr>
+              <a:t>โดย ผศ</a:t>
+            </a:r>
+            <a:r>
+              <a:rPr lang="en-US" sz="2400" dirty="0">
+                <a:latin typeface="TH SarabunPSK" panose="020B0500040200020003" pitchFamily="34" charset="-34"/>
+                <a:cs typeface="TH SarabunPSK" panose="020B0500040200020003" pitchFamily="34" charset="-34"/>
+              </a:rPr>
+              <a:t>. </a:t>
+            </a:r>
+            <a:r>
+              <a:rPr lang="th-TH" sz="2400" dirty="0">
+                <a:latin typeface="TH SarabunPSK" panose="020B0500040200020003" pitchFamily="34" charset="-34"/>
+                <a:cs typeface="TH SarabunPSK" panose="020B0500040200020003" pitchFamily="34" charset="-34"/>
+              </a:rPr>
+              <a:t>ดร</a:t>
+            </a:r>
+            <a:r>
+              <a:rPr lang="en-US" sz="2400" dirty="0">
+                <a:latin typeface="TH SarabunPSK" panose="020B0500040200020003" pitchFamily="34" charset="-34"/>
+                <a:cs typeface="TH SarabunPSK" panose="020B0500040200020003" pitchFamily="34" charset="-34"/>
+              </a:rPr>
+              <a:t>.</a:t>
+            </a:r>
+            <a:r>
+              <a:rPr lang="th-TH" sz="2400" dirty="0">
+                <a:latin typeface="TH SarabunPSK" panose="020B0500040200020003" pitchFamily="34" charset="-34"/>
+                <a:cs typeface="TH SarabunPSK" panose="020B0500040200020003" pitchFamily="34" charset="-34"/>
+              </a:rPr>
+              <a:t>ธนพงศ์ อินทระ สาขาวิชาสถิติ มหาวิทยาลัยขอนแก่น </a:t>
+            </a:r>
+          </a:p>
+        </p:txBody>
+      </p:sp>
     </p:spTree>
     <p:extLst>
       <p:ext uri="{BB962C8B-B14F-4D97-AF65-F5344CB8AC3E}">
@@ -8272,6 +8813,73 @@
           </a:extLst>
         </p:spPr>
       </p:pic>
+      <p:sp>
+        <p:nvSpPr>
+          <p:cNvPr id="9" name="TextBox 8">
+            <a:extLst>
+              <a:ext uri="{FF2B5EF4-FFF2-40B4-BE49-F238E27FC236}">
+                <a16:creationId xmlns:a16="http://schemas.microsoft.com/office/drawing/2014/main" id="{458CAC11-FF6C-23FB-1336-D3B1B3DB11DD}"/>
+              </a:ext>
+            </a:extLst>
+          </p:cNvPr>
+          <p:cNvSpPr txBox="1"/>
+          <p:nvPr/>
+        </p:nvSpPr>
+        <p:spPr>
+          <a:xfrm>
+            <a:off x="114677" y="6172611"/>
+            <a:ext cx="5532120" cy="461665"/>
+          </a:xfrm>
+          <a:prstGeom prst="rect">
+            <a:avLst/>
+          </a:prstGeom>
+          <a:noFill/>
+        </p:spPr>
+        <p:txBody>
+          <a:bodyPr wrap="square">
+            <a:spAutoFit/>
+          </a:bodyPr>
+          <a:lstStyle/>
+          <a:p>
+            <a:pPr algn="l"/>
+            <a:r>
+              <a:rPr lang="th-TH" sz="2400" dirty="0">
+                <a:latin typeface="TH SarabunPSK" panose="020B0500040200020003" pitchFamily="34" charset="-34"/>
+                <a:cs typeface="TH SarabunPSK" panose="020B0500040200020003" pitchFamily="34" charset="-34"/>
+              </a:rPr>
+              <a:t>โดย ผศ</a:t>
+            </a:r>
+            <a:r>
+              <a:rPr lang="en-US" sz="2400" dirty="0">
+                <a:latin typeface="TH SarabunPSK" panose="020B0500040200020003" pitchFamily="34" charset="-34"/>
+                <a:cs typeface="TH SarabunPSK" panose="020B0500040200020003" pitchFamily="34" charset="-34"/>
+              </a:rPr>
+              <a:t>. </a:t>
+            </a:r>
+            <a:r>
+              <a:rPr lang="th-TH" sz="2400" dirty="0">
+                <a:latin typeface="TH SarabunPSK" panose="020B0500040200020003" pitchFamily="34" charset="-34"/>
+                <a:cs typeface="TH SarabunPSK" panose="020B0500040200020003" pitchFamily="34" charset="-34"/>
+              </a:rPr>
+              <a:t>ดร</a:t>
+            </a:r>
+            <a:r>
+              <a:rPr lang="en-US" sz="2400" dirty="0">
+                <a:latin typeface="TH SarabunPSK" panose="020B0500040200020003" pitchFamily="34" charset="-34"/>
+                <a:cs typeface="TH SarabunPSK" panose="020B0500040200020003" pitchFamily="34" charset="-34"/>
+              </a:rPr>
+              <a:t>.</a:t>
+            </a:r>
+            <a:r>
+              <a:rPr lang="th-TH" sz="2400" dirty="0">
+                <a:latin typeface="TH SarabunPSK" panose="020B0500040200020003" pitchFamily="34" charset="-34"/>
+                <a:cs typeface="TH SarabunPSK" panose="020B0500040200020003" pitchFamily="34" charset="-34"/>
+              </a:rPr>
+              <a:t>ธนพงศ์ อินทระ สาขาวิชาสถิติ มหาวิทยาลัยขอนแก่น </a:t>
+            </a:r>
+          </a:p>
+        </p:txBody>
+      </p:sp>
     </p:spTree>
     <p:extLst>
       <p:ext uri="{BB962C8B-B14F-4D97-AF65-F5344CB8AC3E}">
@@ -8923,6 +9531,73 @@
           </a:p>
         </p:txBody>
       </p:sp>
+      <p:sp>
+        <p:nvSpPr>
+          <p:cNvPr id="9" name="TextBox 8">
+            <a:extLst>
+              <a:ext uri="{FF2B5EF4-FFF2-40B4-BE49-F238E27FC236}">
+                <a16:creationId xmlns:a16="http://schemas.microsoft.com/office/drawing/2014/main" id="{6B860105-10A2-EAB6-5D94-B83C02A006C3}"/>
+              </a:ext>
+            </a:extLst>
+          </p:cNvPr>
+          <p:cNvSpPr txBox="1"/>
+          <p:nvPr/>
+        </p:nvSpPr>
+        <p:spPr>
+          <a:xfrm>
+            <a:off x="114677" y="6172611"/>
+            <a:ext cx="5532120" cy="461665"/>
+          </a:xfrm>
+          <a:prstGeom prst="rect">
+            <a:avLst/>
+          </a:prstGeom>
+          <a:noFill/>
+        </p:spPr>
+        <p:txBody>
+          <a:bodyPr wrap="square">
+            <a:spAutoFit/>
+          </a:bodyPr>
+          <a:lstStyle/>
+          <a:p>
+            <a:pPr algn="l"/>
+            <a:r>
+              <a:rPr lang="th-TH" sz="2400" dirty="0">
+                <a:latin typeface="TH SarabunPSK" panose="020B0500040200020003" pitchFamily="34" charset="-34"/>
+                <a:cs typeface="TH SarabunPSK" panose="020B0500040200020003" pitchFamily="34" charset="-34"/>
+              </a:rPr>
+              <a:t>โดย ผศ</a:t>
+            </a:r>
+            <a:r>
+              <a:rPr lang="en-US" sz="2400" dirty="0">
+                <a:latin typeface="TH SarabunPSK" panose="020B0500040200020003" pitchFamily="34" charset="-34"/>
+                <a:cs typeface="TH SarabunPSK" panose="020B0500040200020003" pitchFamily="34" charset="-34"/>
+              </a:rPr>
+              <a:t>. </a:t>
+            </a:r>
+            <a:r>
+              <a:rPr lang="th-TH" sz="2400" dirty="0">
+                <a:latin typeface="TH SarabunPSK" panose="020B0500040200020003" pitchFamily="34" charset="-34"/>
+                <a:cs typeface="TH SarabunPSK" panose="020B0500040200020003" pitchFamily="34" charset="-34"/>
+              </a:rPr>
+              <a:t>ดร</a:t>
+            </a:r>
+            <a:r>
+              <a:rPr lang="en-US" sz="2400" dirty="0">
+                <a:latin typeface="TH SarabunPSK" panose="020B0500040200020003" pitchFamily="34" charset="-34"/>
+                <a:cs typeface="TH SarabunPSK" panose="020B0500040200020003" pitchFamily="34" charset="-34"/>
+              </a:rPr>
+              <a:t>.</a:t>
+            </a:r>
+            <a:r>
+              <a:rPr lang="th-TH" sz="2400" dirty="0">
+                <a:latin typeface="TH SarabunPSK" panose="020B0500040200020003" pitchFamily="34" charset="-34"/>
+                <a:cs typeface="TH SarabunPSK" panose="020B0500040200020003" pitchFamily="34" charset="-34"/>
+              </a:rPr>
+              <a:t>ธนพงศ์ อินทระ สาขาวิชาสถิติ มหาวิทยาลัยขอนแก่น </a:t>
+            </a:r>
+          </a:p>
+        </p:txBody>
+      </p:sp>
     </p:spTree>
     <p:extLst>
       <p:ext uri="{BB962C8B-B14F-4D97-AF65-F5344CB8AC3E}">
@@ -9557,6 +10232,73 @@
           </a:p>
         </p:txBody>
       </p:sp>
+      <p:sp>
+        <p:nvSpPr>
+          <p:cNvPr id="9" name="TextBox 8">
+            <a:extLst>
+              <a:ext uri="{FF2B5EF4-FFF2-40B4-BE49-F238E27FC236}">
+                <a16:creationId xmlns:a16="http://schemas.microsoft.com/office/drawing/2014/main" id="{49AAB3B2-82EF-24CA-03B2-DCFDF48FE399}"/>
+              </a:ext>
+            </a:extLst>
+          </p:cNvPr>
+          <p:cNvSpPr txBox="1"/>
+          <p:nvPr/>
+        </p:nvSpPr>
+        <p:spPr>
+          <a:xfrm>
+            <a:off x="114677" y="6172611"/>
+            <a:ext cx="5532120" cy="461665"/>
+          </a:xfrm>
+          <a:prstGeom prst="rect">
+            <a:avLst/>
+          </a:prstGeom>
+          <a:noFill/>
+        </p:spPr>
+        <p:txBody>
+          <a:bodyPr wrap="square">
+            <a:spAutoFit/>
+          </a:bodyPr>
+          <a:lstStyle/>
+          <a:p>
+            <a:pPr algn="l"/>
+            <a:r>
+              <a:rPr lang="th-TH" sz="2400" dirty="0">
+                <a:latin typeface="TH SarabunPSK" panose="020B0500040200020003" pitchFamily="34" charset="-34"/>
+                <a:cs typeface="TH SarabunPSK" panose="020B0500040200020003" pitchFamily="34" charset="-34"/>
+              </a:rPr>
+              <a:t>โดย ผศ</a:t>
+            </a:r>
+            <a:r>
+              <a:rPr lang="en-US" sz="2400" dirty="0">
+                <a:latin typeface="TH SarabunPSK" panose="020B0500040200020003" pitchFamily="34" charset="-34"/>
+                <a:cs typeface="TH SarabunPSK" panose="020B0500040200020003" pitchFamily="34" charset="-34"/>
+              </a:rPr>
+              <a:t>. </a:t>
+            </a:r>
+            <a:r>
+              <a:rPr lang="th-TH" sz="2400" dirty="0">
+                <a:latin typeface="TH SarabunPSK" panose="020B0500040200020003" pitchFamily="34" charset="-34"/>
+                <a:cs typeface="TH SarabunPSK" panose="020B0500040200020003" pitchFamily="34" charset="-34"/>
+              </a:rPr>
+              <a:t>ดร</a:t>
+            </a:r>
+            <a:r>
+              <a:rPr lang="en-US" sz="2400" dirty="0">
+                <a:latin typeface="TH SarabunPSK" panose="020B0500040200020003" pitchFamily="34" charset="-34"/>
+                <a:cs typeface="TH SarabunPSK" panose="020B0500040200020003" pitchFamily="34" charset="-34"/>
+              </a:rPr>
+              <a:t>.</a:t>
+            </a:r>
+            <a:r>
+              <a:rPr lang="th-TH" sz="2400" dirty="0">
+                <a:latin typeface="TH SarabunPSK" panose="020B0500040200020003" pitchFamily="34" charset="-34"/>
+                <a:cs typeface="TH SarabunPSK" panose="020B0500040200020003" pitchFamily="34" charset="-34"/>
+              </a:rPr>
+              <a:t>ธนพงศ์ อินทระ สาขาวิชาสถิติ มหาวิทยาลัยขอนแก่น </a:t>
+            </a:r>
+          </a:p>
+        </p:txBody>
+      </p:sp>
     </p:spTree>
     <p:extLst>
       <p:ext uri="{BB962C8B-B14F-4D97-AF65-F5344CB8AC3E}">
@@ -10366,6 +11108,73 @@
           </a:p>
         </p:txBody>
       </p:sp>
+      <p:sp>
+        <p:nvSpPr>
+          <p:cNvPr id="9" name="TextBox 8">
+            <a:extLst>
+              <a:ext uri="{FF2B5EF4-FFF2-40B4-BE49-F238E27FC236}">
+                <a16:creationId xmlns:a16="http://schemas.microsoft.com/office/drawing/2014/main" id="{E756FCC9-E038-0EB1-72C3-F5BA9DDE6DA5}"/>
+              </a:ext>
+            </a:extLst>
+          </p:cNvPr>
+          <p:cNvSpPr txBox="1"/>
+          <p:nvPr/>
+        </p:nvSpPr>
+        <p:spPr>
+          <a:xfrm>
+            <a:off x="114677" y="6172611"/>
+            <a:ext cx="5532120" cy="461665"/>
+          </a:xfrm>
+          <a:prstGeom prst="rect">
+            <a:avLst/>
+          </a:prstGeom>
+          <a:noFill/>
+        </p:spPr>
+        <p:txBody>
+          <a:bodyPr wrap="square">
+            <a:spAutoFit/>
+          </a:bodyPr>
+          <a:lstStyle/>
+          <a:p>
+            <a:pPr algn="l"/>
+            <a:r>
+              <a:rPr lang="th-TH" sz="2400" dirty="0">
+                <a:latin typeface="TH SarabunPSK" panose="020B0500040200020003" pitchFamily="34" charset="-34"/>
+                <a:cs typeface="TH SarabunPSK" panose="020B0500040200020003" pitchFamily="34" charset="-34"/>
+              </a:rPr>
+              <a:t>โดย ผศ</a:t>
+            </a:r>
+            <a:r>
+              <a:rPr lang="en-US" sz="2400" dirty="0">
+                <a:latin typeface="TH SarabunPSK" panose="020B0500040200020003" pitchFamily="34" charset="-34"/>
+                <a:cs typeface="TH SarabunPSK" panose="020B0500040200020003" pitchFamily="34" charset="-34"/>
+              </a:rPr>
+              <a:t>. </a:t>
+            </a:r>
+            <a:r>
+              <a:rPr lang="th-TH" sz="2400" dirty="0">
+                <a:latin typeface="TH SarabunPSK" panose="020B0500040200020003" pitchFamily="34" charset="-34"/>
+                <a:cs typeface="TH SarabunPSK" panose="020B0500040200020003" pitchFamily="34" charset="-34"/>
+              </a:rPr>
+              <a:t>ดร</a:t>
+            </a:r>
+            <a:r>
+              <a:rPr lang="en-US" sz="2400" dirty="0">
+                <a:latin typeface="TH SarabunPSK" panose="020B0500040200020003" pitchFamily="34" charset="-34"/>
+                <a:cs typeface="TH SarabunPSK" panose="020B0500040200020003" pitchFamily="34" charset="-34"/>
+              </a:rPr>
+              <a:t>.</a:t>
+            </a:r>
+            <a:r>
+              <a:rPr lang="th-TH" sz="2400" dirty="0">
+                <a:latin typeface="TH SarabunPSK" panose="020B0500040200020003" pitchFamily="34" charset="-34"/>
+                <a:cs typeface="TH SarabunPSK" panose="020B0500040200020003" pitchFamily="34" charset="-34"/>
+              </a:rPr>
+              <a:t>ธนพงศ์ อินทระ สาขาวิชาสถิติ มหาวิทยาลัยขอนแก่น </a:t>
+            </a:r>
+          </a:p>
+        </p:txBody>
+      </p:sp>
     </p:spTree>
     <p:extLst>
       <p:ext uri="{BB962C8B-B14F-4D97-AF65-F5344CB8AC3E}">
@@ -11038,6 +11847,73 @@
           </a:p>
         </p:txBody>
       </p:sp>
+      <p:sp>
+        <p:nvSpPr>
+          <p:cNvPr id="9" name="TextBox 8">
+            <a:extLst>
+              <a:ext uri="{FF2B5EF4-FFF2-40B4-BE49-F238E27FC236}">
+                <a16:creationId xmlns:a16="http://schemas.microsoft.com/office/drawing/2014/main" id="{57F6D39D-E472-9CF7-4081-8918AE49B68C}"/>
+              </a:ext>
+            </a:extLst>
+          </p:cNvPr>
+          <p:cNvSpPr txBox="1"/>
+          <p:nvPr/>
+        </p:nvSpPr>
+        <p:spPr>
+          <a:xfrm>
+            <a:off x="114677" y="6172611"/>
+            <a:ext cx="5532120" cy="461665"/>
+          </a:xfrm>
+          <a:prstGeom prst="rect">
+            <a:avLst/>
+          </a:prstGeom>
+          <a:noFill/>
+        </p:spPr>
+        <p:txBody>
+          <a:bodyPr wrap="square">
+            <a:spAutoFit/>
+          </a:bodyPr>
+          <a:lstStyle/>
+          <a:p>
+            <a:pPr algn="l"/>
+            <a:r>
+              <a:rPr lang="th-TH" sz="2400" dirty="0">
+                <a:latin typeface="TH SarabunPSK" panose="020B0500040200020003" pitchFamily="34" charset="-34"/>
+                <a:cs typeface="TH SarabunPSK" panose="020B0500040200020003" pitchFamily="34" charset="-34"/>
+              </a:rPr>
+              <a:t>โดย ผศ</a:t>
+            </a:r>
+            <a:r>
+              <a:rPr lang="en-US" sz="2400" dirty="0">
+                <a:latin typeface="TH SarabunPSK" panose="020B0500040200020003" pitchFamily="34" charset="-34"/>
+                <a:cs typeface="TH SarabunPSK" panose="020B0500040200020003" pitchFamily="34" charset="-34"/>
+              </a:rPr>
+              <a:t>. </a:t>
+            </a:r>
+            <a:r>
+              <a:rPr lang="th-TH" sz="2400" dirty="0">
+                <a:latin typeface="TH SarabunPSK" panose="020B0500040200020003" pitchFamily="34" charset="-34"/>
+                <a:cs typeface="TH SarabunPSK" panose="020B0500040200020003" pitchFamily="34" charset="-34"/>
+              </a:rPr>
+              <a:t>ดร</a:t>
+            </a:r>
+            <a:r>
+              <a:rPr lang="en-US" sz="2400" dirty="0">
+                <a:latin typeface="TH SarabunPSK" panose="020B0500040200020003" pitchFamily="34" charset="-34"/>
+                <a:cs typeface="TH SarabunPSK" panose="020B0500040200020003" pitchFamily="34" charset="-34"/>
+              </a:rPr>
+              <a:t>.</a:t>
+            </a:r>
+            <a:r>
+              <a:rPr lang="th-TH" sz="2400" dirty="0">
+                <a:latin typeface="TH SarabunPSK" panose="020B0500040200020003" pitchFamily="34" charset="-34"/>
+                <a:cs typeface="TH SarabunPSK" panose="020B0500040200020003" pitchFamily="34" charset="-34"/>
+              </a:rPr>
+              <a:t>ธนพงศ์ อินทระ สาขาวิชาสถิติ มหาวิทยาลัยขอนแก่น </a:t>
+            </a:r>
+          </a:p>
+        </p:txBody>
+      </p:sp>
     </p:spTree>
     <p:extLst>
       <p:ext uri="{BB962C8B-B14F-4D97-AF65-F5344CB8AC3E}">
@@ -11539,6 +12415,73 @@
           </a:prstGeom>
         </p:spPr>
       </p:pic>
+      <p:sp>
+        <p:nvSpPr>
+          <p:cNvPr id="9" name="TextBox 8">
+            <a:extLst>
+              <a:ext uri="{FF2B5EF4-FFF2-40B4-BE49-F238E27FC236}">
+                <a16:creationId xmlns:a16="http://schemas.microsoft.com/office/drawing/2014/main" id="{4F316B64-0C97-2955-EB02-D00533C2C2C9}"/>
+              </a:ext>
+            </a:extLst>
+          </p:cNvPr>
+          <p:cNvSpPr txBox="1"/>
+          <p:nvPr/>
+        </p:nvSpPr>
+        <p:spPr>
+          <a:xfrm>
+            <a:off x="114677" y="6172611"/>
+            <a:ext cx="5532120" cy="461665"/>
+          </a:xfrm>
+          <a:prstGeom prst="rect">
+            <a:avLst/>
+          </a:prstGeom>
+          <a:noFill/>
+        </p:spPr>
+        <p:txBody>
+          <a:bodyPr wrap="square">
+            <a:spAutoFit/>
+          </a:bodyPr>
+          <a:lstStyle/>
+          <a:p>
+            <a:pPr algn="l"/>
+            <a:r>
+              <a:rPr lang="th-TH" sz="2400" dirty="0">
+                <a:latin typeface="TH SarabunPSK" panose="020B0500040200020003" pitchFamily="34" charset="-34"/>
+                <a:cs typeface="TH SarabunPSK" panose="020B0500040200020003" pitchFamily="34" charset="-34"/>
+              </a:rPr>
+              <a:t>โดย ผศ</a:t>
+            </a:r>
+            <a:r>
+              <a:rPr lang="en-US" sz="2400" dirty="0">
+                <a:latin typeface="TH SarabunPSK" panose="020B0500040200020003" pitchFamily="34" charset="-34"/>
+                <a:cs typeface="TH SarabunPSK" panose="020B0500040200020003" pitchFamily="34" charset="-34"/>
+              </a:rPr>
+              <a:t>. </a:t>
+            </a:r>
+            <a:r>
+              <a:rPr lang="th-TH" sz="2400" dirty="0">
+                <a:latin typeface="TH SarabunPSK" panose="020B0500040200020003" pitchFamily="34" charset="-34"/>
+                <a:cs typeface="TH SarabunPSK" panose="020B0500040200020003" pitchFamily="34" charset="-34"/>
+              </a:rPr>
+              <a:t>ดร</a:t>
+            </a:r>
+            <a:r>
+              <a:rPr lang="en-US" sz="2400" dirty="0">
+                <a:latin typeface="TH SarabunPSK" panose="020B0500040200020003" pitchFamily="34" charset="-34"/>
+                <a:cs typeface="TH SarabunPSK" panose="020B0500040200020003" pitchFamily="34" charset="-34"/>
+              </a:rPr>
+              <a:t>.</a:t>
+            </a:r>
+            <a:r>
+              <a:rPr lang="th-TH" sz="2400" dirty="0">
+                <a:latin typeface="TH SarabunPSK" panose="020B0500040200020003" pitchFamily="34" charset="-34"/>
+                <a:cs typeface="TH SarabunPSK" panose="020B0500040200020003" pitchFamily="34" charset="-34"/>
+              </a:rPr>
+              <a:t>ธนพงศ์ อินทระ สาขาวิชาสถิติ มหาวิทยาลัยขอนแก่น </a:t>
+            </a:r>
+          </a:p>
+        </p:txBody>
+      </p:sp>
     </p:spTree>
     <p:extLst>
       <p:ext uri="{BB962C8B-B14F-4D97-AF65-F5344CB8AC3E}">
@@ -12250,6 +13193,73 @@
           </a:p>
         </p:txBody>
       </p:sp>
+      <p:sp>
+        <p:nvSpPr>
+          <p:cNvPr id="9" name="TextBox 8">
+            <a:extLst>
+              <a:ext uri="{FF2B5EF4-FFF2-40B4-BE49-F238E27FC236}">
+                <a16:creationId xmlns:a16="http://schemas.microsoft.com/office/drawing/2014/main" id="{E479939D-47CE-7F91-04F9-A18C11591232}"/>
+              </a:ext>
+            </a:extLst>
+          </p:cNvPr>
+          <p:cNvSpPr txBox="1"/>
+          <p:nvPr/>
+        </p:nvSpPr>
+        <p:spPr>
+          <a:xfrm>
+            <a:off x="114677" y="6172611"/>
+            <a:ext cx="5532120" cy="461665"/>
+          </a:xfrm>
+          <a:prstGeom prst="rect">
+            <a:avLst/>
+          </a:prstGeom>
+          <a:noFill/>
+        </p:spPr>
+        <p:txBody>
+          <a:bodyPr wrap="square">
+            <a:spAutoFit/>
+          </a:bodyPr>
+          <a:lstStyle/>
+          <a:p>
+            <a:pPr algn="l"/>
+            <a:r>
+              <a:rPr lang="th-TH" sz="2400" dirty="0">
+                <a:latin typeface="TH SarabunPSK" panose="020B0500040200020003" pitchFamily="34" charset="-34"/>
+                <a:cs typeface="TH SarabunPSK" panose="020B0500040200020003" pitchFamily="34" charset="-34"/>
+              </a:rPr>
+              <a:t>โดย ผศ</a:t>
+            </a:r>
+            <a:r>
+              <a:rPr lang="en-US" sz="2400" dirty="0">
+                <a:latin typeface="TH SarabunPSK" panose="020B0500040200020003" pitchFamily="34" charset="-34"/>
+                <a:cs typeface="TH SarabunPSK" panose="020B0500040200020003" pitchFamily="34" charset="-34"/>
+              </a:rPr>
+              <a:t>. </a:t>
+            </a:r>
+            <a:r>
+              <a:rPr lang="th-TH" sz="2400" dirty="0">
+                <a:latin typeface="TH SarabunPSK" panose="020B0500040200020003" pitchFamily="34" charset="-34"/>
+                <a:cs typeface="TH SarabunPSK" panose="020B0500040200020003" pitchFamily="34" charset="-34"/>
+              </a:rPr>
+              <a:t>ดร</a:t>
+            </a:r>
+            <a:r>
+              <a:rPr lang="en-US" sz="2400" dirty="0">
+                <a:latin typeface="TH SarabunPSK" panose="020B0500040200020003" pitchFamily="34" charset="-34"/>
+                <a:cs typeface="TH SarabunPSK" panose="020B0500040200020003" pitchFamily="34" charset="-34"/>
+              </a:rPr>
+              <a:t>.</a:t>
+            </a:r>
+            <a:r>
+              <a:rPr lang="th-TH" sz="2400" dirty="0">
+                <a:latin typeface="TH SarabunPSK" panose="020B0500040200020003" pitchFamily="34" charset="-34"/>
+                <a:cs typeface="TH SarabunPSK" panose="020B0500040200020003" pitchFamily="34" charset="-34"/>
+              </a:rPr>
+              <a:t>ธนพงศ์ อินทระ สาขาวิชาสถิติ มหาวิทยาลัยขอนแก่น </a:t>
+            </a:r>
+          </a:p>
+        </p:txBody>
+      </p:sp>
     </p:spTree>
     <p:extLst>
       <p:ext uri="{BB962C8B-B14F-4D97-AF65-F5344CB8AC3E}">
@@ -13177,6 +14187,73 @@
               <a:t>()</a:t>
             </a:r>
             <a:endParaRPr lang="en-US" sz="1800" dirty="0"/>
+          </a:p>
+        </p:txBody>
+      </p:sp>
+      <p:sp>
+        <p:nvSpPr>
+          <p:cNvPr id="9" name="TextBox 8">
+            <a:extLst>
+              <a:ext uri="{FF2B5EF4-FFF2-40B4-BE49-F238E27FC236}">
+                <a16:creationId xmlns:a16="http://schemas.microsoft.com/office/drawing/2014/main" id="{E5A5DD8A-803F-90AB-276C-455B62C4396E}"/>
+              </a:ext>
+            </a:extLst>
+          </p:cNvPr>
+          <p:cNvSpPr txBox="1"/>
+          <p:nvPr/>
+        </p:nvSpPr>
+        <p:spPr>
+          <a:xfrm>
+            <a:off x="114677" y="6172611"/>
+            <a:ext cx="5532120" cy="461665"/>
+          </a:xfrm>
+          <a:prstGeom prst="rect">
+            <a:avLst/>
+          </a:prstGeom>
+          <a:noFill/>
+        </p:spPr>
+        <p:txBody>
+          <a:bodyPr wrap="square">
+            <a:spAutoFit/>
+          </a:bodyPr>
+          <a:lstStyle/>
+          <a:p>
+            <a:pPr algn="l"/>
+            <a:r>
+              <a:rPr lang="th-TH" sz="2400" dirty="0">
+                <a:latin typeface="TH SarabunPSK" panose="020B0500040200020003" pitchFamily="34" charset="-34"/>
+                <a:cs typeface="TH SarabunPSK" panose="020B0500040200020003" pitchFamily="34" charset="-34"/>
+              </a:rPr>
+              <a:t>โดย ผศ</a:t>
+            </a:r>
+            <a:r>
+              <a:rPr lang="en-US" sz="2400" dirty="0">
+                <a:latin typeface="TH SarabunPSK" panose="020B0500040200020003" pitchFamily="34" charset="-34"/>
+                <a:cs typeface="TH SarabunPSK" panose="020B0500040200020003" pitchFamily="34" charset="-34"/>
+              </a:rPr>
+              <a:t>. </a:t>
+            </a:r>
+            <a:r>
+              <a:rPr lang="th-TH" sz="2400" dirty="0">
+                <a:latin typeface="TH SarabunPSK" panose="020B0500040200020003" pitchFamily="34" charset="-34"/>
+                <a:cs typeface="TH SarabunPSK" panose="020B0500040200020003" pitchFamily="34" charset="-34"/>
+              </a:rPr>
+              <a:t>ดร</a:t>
+            </a:r>
+            <a:r>
+              <a:rPr lang="en-US" sz="2400" dirty="0">
+                <a:latin typeface="TH SarabunPSK" panose="020B0500040200020003" pitchFamily="34" charset="-34"/>
+                <a:cs typeface="TH SarabunPSK" panose="020B0500040200020003" pitchFamily="34" charset="-34"/>
+              </a:rPr>
+              <a:t>.</a:t>
+            </a:r>
+            <a:r>
+              <a:rPr lang="th-TH" sz="2400" dirty="0">
+                <a:latin typeface="TH SarabunPSK" panose="020B0500040200020003" pitchFamily="34" charset="-34"/>
+                <a:cs typeface="TH SarabunPSK" panose="020B0500040200020003" pitchFamily="34" charset="-34"/>
+              </a:rPr>
+              <a:t>ธนพงศ์ อินทระ สาขาวิชาสถิติ มหาวิทยาลัยขอนแก่น </a:t>
+            </a:r>
           </a:p>
         </p:txBody>
       </p:sp>
